--- a/materials/slides/ch03-htmlBasic2.pptx
+++ b/materials/slides/ch03-htmlBasic2.pptx
@@ -10732,9 +10732,9 @@
             <a:lstStyle/>
             <a:p>
               <a:r>
-                <a:rPr lang="zh-CN" altLang="en-US" sz="2800" dirty="0">
+                <a:rPr lang="en-US" altLang="zh-CN" sz="2800" dirty="0" smtClean="0">
                   <a:solidFill>
-                    <a:schemeClr val="tx1"/>
+                    <a:srgbClr val="595E64"/>
                   </a:solidFill>
                   <a:latin typeface="微软雅黑" panose="020B0503020204020204" pitchFamily="34" charset="-122"/>
                   <a:ea typeface="微软雅黑" panose="020B0503020204020204" pitchFamily="34" charset="-122"/>
@@ -10868,9 +10868,9 @@
             </a:bodyPr>
             <a:p>
               <a:r>
-                <a:rPr lang="zh-CN" altLang="en-US" sz="2800" dirty="0" smtClean="0">
+                <a:rPr lang="en-US" altLang="zh-CN" sz="2800" dirty="0" smtClean="0">
                   <a:solidFill>
-                    <a:schemeClr val="tx1"/>
+                    <a:srgbClr val="595E64"/>
                   </a:solidFill>
                   <a:latin typeface="微软雅黑" panose="020B0503020204020204" pitchFamily="34" charset="-122"/>
                   <a:ea typeface="微软雅黑" panose="020B0503020204020204" pitchFamily="34" charset="-122"/>
@@ -11945,13 +11945,6 @@
                   <a:srgbClr val="FF0000"/>
                 </a:solidFill>
               </a:rPr>
-              <a:t>标签</a:t>
-            </a:r>
-            <a:r>
-              <a:rPr lang="zh-CN" altLang="en-US"/>
-              <a:t>：</a:t>
-            </a:r>
-            <a:r>
               <a:t>&lt;form&gt;&lt;/form&gt;</a:t>
             </a:r>
           </a:p>
@@ -12048,103 +12041,22 @@
           <a:p>
             <a:pPr lvl="2"/>
             <a:r>
-              <a:rPr lang="en-US" altLang="zh-CN" dirty="0" smtClean="0">
-                <a:solidFill>
-                  <a:srgbClr val="FF0000"/>
-                </a:solidFill>
-                <a:sym typeface="+mn-ea"/>
-              </a:rPr>
-              <a:t>action</a:t>
-            </a:r>
-            <a:r>
               <a:rPr lang="zh-CN" altLang="en-US" dirty="0" smtClean="0">
-                <a:solidFill>
-                  <a:srgbClr val="C00000"/>
-                </a:solidFill>
-                <a:sym typeface="+mn-ea"/>
-              </a:rPr>
-              <a:t>：   </a:t>
-            </a:r>
-            <a:r>
-              <a:rPr lang="zh-CN" altLang="en-US" dirty="0">
-                <a:sym typeface="+mn-ea"/>
-              </a:rPr>
-              <a:t>规定</a:t>
-            </a:r>
-            <a:r>
-              <a:rPr lang="zh-CN" altLang="en-US" dirty="0" smtClean="0">
-                <a:sym typeface="+mn-ea"/>
-              </a:rPr>
-              <a:t>向何处发送提交的表单数据。值：</a:t>
-            </a:r>
-            <a:r>
-              <a:rPr lang="en-US" altLang="zh-CN" dirty="0" smtClean="0">
-                <a:solidFill>
-                  <a:srgbClr val="FF0000"/>
-                </a:solidFill>
-                <a:sym typeface="+mn-ea"/>
-              </a:rPr>
-              <a:t>URL</a:t>
-            </a:r>
-            <a:endParaRPr lang="en-US" altLang="zh-CN" dirty="0" smtClean="0">
-              <a:solidFill>
-                <a:srgbClr val="FF0000"/>
-              </a:solidFill>
+                <a:sym typeface="+mn-ea"/>
+              </a:rPr>
+              <a:t>action：   规定向何处发送提交的表单数据。值：URL</a:t>
+            </a:r>
+            <a:endParaRPr lang="zh-CN" altLang="en-US" dirty="0" smtClean="0">
               <a:sym typeface="+mn-ea"/>
             </a:endParaRPr>
           </a:p>
           <a:p>
             <a:pPr lvl="2"/>
             <a:r>
-              <a:rPr lang="en-US" altLang="zh-CN" dirty="0" smtClean="0">
-                <a:solidFill>
-                  <a:srgbClr val="FF0000"/>
-                </a:solidFill>
-                <a:sym typeface="+mn-ea"/>
-              </a:rPr>
-              <a:t>method</a:t>
-            </a:r>
-            <a:r>
               <a:rPr lang="zh-CN" altLang="en-US" dirty="0" smtClean="0">
-                <a:solidFill>
-                  <a:srgbClr val="C00000"/>
-                </a:solidFill>
-                <a:sym typeface="+mn-ea"/>
-              </a:rPr>
-              <a:t>：</a:t>
-            </a:r>
-            <a:r>
-              <a:rPr lang="zh-CN" altLang="en-US" dirty="0">
-                <a:sym typeface="+mn-ea"/>
-              </a:rPr>
-              <a:t>规定</a:t>
-            </a:r>
-            <a:r>
-              <a:rPr lang="zh-CN" altLang="en-US" dirty="0" smtClean="0">
-                <a:sym typeface="+mn-ea"/>
-              </a:rPr>
-              <a:t>以何种方式将表</a:t>
-            </a:r>
-            <a:r>
-              <a:rPr lang="zh-CN" altLang="en-US" dirty="0">
-                <a:sym typeface="+mn-ea"/>
-              </a:rPr>
-              <a:t>单数据传送到</a:t>
-            </a:r>
-            <a:r>
-              <a:rPr lang="zh-CN" altLang="en-US" dirty="0" smtClean="0">
-                <a:sym typeface="+mn-ea"/>
-              </a:rPr>
-              <a:t>服务器。值：</a:t>
-            </a:r>
-            <a:r>
-              <a:rPr lang="en-US" altLang="zh-CN" dirty="0" smtClean="0">
-                <a:solidFill>
-                  <a:srgbClr val="FF0000"/>
-                </a:solidFill>
-                <a:sym typeface="+mn-ea"/>
-              </a:rPr>
-              <a:t>get/post</a:t>
+                <a:sym typeface="+mn-ea"/>
+              </a:rPr>
+              <a:t>method：规定以何种方式将表单数据传送到服务器。值：get/post</a:t>
             </a:r>
             <a:endParaRPr lang="en-US" altLang="zh-CN" dirty="0" smtClean="0">
               <a:solidFill>
@@ -13258,7 +13170,7 @@
                   <a:srgbClr val="FF0000"/>
                 </a:solidFill>
               </a:rPr>
-              <a:t>文本域</a:t>
+              <a:t>文本框</a:t>
             </a:r>
             <a:endParaRPr lang="zh-CN" altLang="en-US">
               <a:solidFill>
@@ -14489,7 +14401,7 @@
                   <a:srgbClr val="FF0000"/>
                 </a:solidFill>
               </a:rPr>
-              <a:t>密码域</a:t>
+              <a:t>密码框</a:t>
             </a:r>
             <a:endParaRPr lang="zh-CN" altLang="en-US">
               <a:solidFill>
@@ -15588,7 +15500,7 @@
                   <a:srgbClr val="FF0000"/>
                 </a:solidFill>
               </a:rPr>
-              <a:t>单选按钮</a:t>
+              <a:t>单选框</a:t>
             </a:r>
             <a:endParaRPr lang="zh-CN" altLang="en-US"/>
           </a:p>
@@ -15984,7 +15896,7 @@
                   <a:schemeClr val="tx1"/>
                 </a:solidFill>
               </a:rPr>
-              <a:t>单选按钮</a:t>
+              <a:t>单选框</a:t>
             </a:r>
             <a:r>
               <a:rPr lang="en-US" altLang="zh-CN" sz="2400" b="1" dirty="0" smtClean="0">
@@ -16019,7 +15931,7 @@
         <p:spPr>
           <a:xfrm>
             <a:off x="1602105" y="4550410"/>
-            <a:ext cx="9238615" cy="1799590"/>
+            <a:ext cx="9104630" cy="1799590"/>
           </a:xfrm>
           <a:prstGeom prst="rect">
             <a:avLst/>
@@ -16627,7 +16539,7 @@
                   <a:srgbClr val="FF0000"/>
                 </a:solidFill>
               </a:rPr>
-              <a:t>多选按钮</a:t>
+              <a:t>多选框</a:t>
             </a:r>
             <a:endParaRPr lang="zh-CN" altLang="en-US"/>
           </a:p>
@@ -18538,7 +18450,7 @@
                 <a:latin typeface="微软雅黑" panose="020B0503020204020204" pitchFamily="34" charset="-122"/>
                 <a:ea typeface="微软雅黑" panose="020B0503020204020204" pitchFamily="34" charset="-122"/>
               </a:rPr>
-              <a:t>组按钮，</a:t>
+              <a:t>组选择框，</a:t>
             </a:r>
             <a:r>
               <a:rPr lang="en-US" altLang="zh-CN" sz="2400" dirty="0" smtClean="0">
@@ -18729,7 +18641,7 @@
                 <a:latin typeface="微软雅黑" panose="020B0503020204020204" pitchFamily="34" charset="-122"/>
                 <a:ea typeface="微软雅黑" panose="020B0503020204020204" pitchFamily="34" charset="-122"/>
               </a:rPr>
-              <a:t>组按钮，</a:t>
+              <a:t>组选择框，</a:t>
             </a:r>
             <a:r>
               <a:rPr lang="en-US" altLang="zh-CN" sz="2400" dirty="0" smtClean="0">
@@ -19532,7 +19444,7 @@
                   <a:srgbClr val="FF0000"/>
                 </a:solidFill>
               </a:rPr>
-              <a:t>文本域</a:t>
+              <a:t>文件控件</a:t>
             </a:r>
             <a:endParaRPr lang="zh-CN" altLang="en-US">
               <a:solidFill>
@@ -19546,19 +19458,19 @@
               <a:rPr lang="zh-CN" altLang="en-US" dirty="0">
                 <a:sym typeface="+mn-ea"/>
               </a:rPr>
-              <a:t>当</a:t>
+              <a:t>当 </a:t>
             </a:r>
             <a:r>
               <a:rPr lang="en-US" altLang="zh-CN" dirty="0">
                 <a:sym typeface="+mn-ea"/>
               </a:rPr>
-              <a:t>type</a:t>
+              <a:t>type </a:t>
             </a:r>
             <a:r>
               <a:rPr lang="zh-CN" altLang="en-US" dirty="0">
                 <a:sym typeface="+mn-ea"/>
               </a:rPr>
-              <a:t>属性值为</a:t>
+              <a:t>属性值为 </a:t>
             </a:r>
             <a:r>
               <a:rPr lang="en-US" altLang="zh-CN" dirty="0">
@@ -19567,7 +19479,7 @@
                 </a:solidFill>
                 <a:sym typeface="+mn-ea"/>
               </a:rPr>
-              <a:t>file</a:t>
+              <a:t>file </a:t>
             </a:r>
             <a:r>
               <a:rPr lang="zh-CN" altLang="en-US" dirty="0">
@@ -19598,12 +19510,6 @@
                 <a:sym typeface="+mn-ea"/>
               </a:rPr>
               <a:t>按钮，供文件上传。</a:t>
-            </a:r>
-            <a:r>
-              <a:rPr lang="zh-CN" altLang="en-US" dirty="0" smtClean="0">
-                <a:sym typeface="+mn-ea"/>
-              </a:rPr>
-              <a:t>。</a:t>
             </a:r>
             <a:endParaRPr lang="en-US" altLang="zh-CN" dirty="0"/>
           </a:p>
@@ -20287,9 +20193,9 @@
             <a:lstStyle/>
             <a:p>
               <a:r>
-                <a:rPr lang="zh-CN" altLang="en-US" sz="2800" dirty="0">
+                <a:rPr lang="en-US" altLang="zh-CN" sz="2800" dirty="0" smtClean="0">
                   <a:solidFill>
-                    <a:schemeClr val="tx1"/>
+                    <a:srgbClr val="595E64"/>
                   </a:solidFill>
                   <a:latin typeface="微软雅黑" panose="020B0503020204020204" pitchFamily="34" charset="-122"/>
                   <a:ea typeface="微软雅黑" panose="020B0503020204020204" pitchFamily="34" charset="-122"/>
@@ -20464,9 +20370,9 @@
             </a:bodyPr>
             <a:p>
               <a:r>
-                <a:rPr lang="zh-CN" altLang="en-US" sz="2800" dirty="0" smtClean="0">
+                <a:rPr lang="en-US" altLang="zh-CN" sz="2800" dirty="0" smtClean="0">
                   <a:solidFill>
-                    <a:schemeClr val="tx1"/>
+                    <a:srgbClr val="595E64"/>
                   </a:solidFill>
                   <a:latin typeface="微软雅黑" panose="020B0503020204020204" pitchFamily="34" charset="-122"/>
                   <a:ea typeface="微软雅黑" panose="020B0503020204020204" pitchFamily="34" charset="-122"/>
@@ -24670,9 +24576,9 @@
             </a:bodyPr>
             <a:p>
               <a:r>
-                <a:rPr lang="zh-CN" altLang="en-US" sz="2800" dirty="0" smtClean="0">
+                <a:rPr lang="en-US" altLang="zh-CN" sz="2800" dirty="0" smtClean="0">
                   <a:solidFill>
-                    <a:schemeClr val="tx1"/>
+                    <a:srgbClr val="595E64"/>
                   </a:solidFill>
                   <a:latin typeface="微软雅黑" panose="020B0503020204020204" pitchFamily="34" charset="-122"/>
                   <a:ea typeface="微软雅黑" panose="020B0503020204020204" pitchFamily="34" charset="-122"/>
@@ -24711,9 +24617,9 @@
             </a:bodyPr>
             <a:p>
               <a:r>
-                <a:rPr lang="zh-CN" altLang="en-US" sz="2800" dirty="0" smtClean="0">
+                <a:rPr lang="en-US" altLang="zh-CN" sz="2800" dirty="0" smtClean="0">
                   <a:solidFill>
-                    <a:schemeClr val="tx1"/>
+                    <a:srgbClr val="595E64"/>
                   </a:solidFill>
                   <a:latin typeface="微软雅黑" panose="020B0503020204020204" pitchFamily="34" charset="-122"/>
                   <a:ea typeface="微软雅黑" panose="020B0503020204020204" pitchFamily="34" charset="-122"/>
@@ -24797,7 +24703,19 @@
               <a:rPr lang="zh-CN" altLang="en-US" smtClean="0">
                 <a:sym typeface="+mn-ea"/>
               </a:rPr>
-              <a:t>表格的相关</a:t>
+              <a:t>表格</a:t>
+            </a:r>
+            <a:r>
+              <a:rPr lang="zh-CN" altLang="en-US" smtClean="0">
+                <a:sym typeface="+mn-ea"/>
+              </a:rPr>
+              <a:t>相关</a:t>
+            </a:r>
+            <a:r>
+              <a:rPr lang="zh-CN" altLang="en-US" smtClean="0">
+                <a:sym typeface="+mn-ea"/>
+              </a:rPr>
+              <a:t>的</a:t>
             </a:r>
             <a:r>
               <a:rPr smtClean="0">
@@ -24818,7 +24736,19 @@
               <a:rPr lang="zh-CN" altLang="en-US" smtClean="0">
                 <a:sym typeface="+mn-ea"/>
               </a:rPr>
-              <a:t>表单的相关</a:t>
+              <a:t>表单</a:t>
+            </a:r>
+            <a:r>
+              <a:rPr lang="zh-CN" altLang="en-US" smtClean="0">
+                <a:sym typeface="+mn-ea"/>
+              </a:rPr>
+              <a:t>相关</a:t>
+            </a:r>
+            <a:r>
+              <a:rPr lang="zh-CN" altLang="en-US" smtClean="0">
+                <a:sym typeface="+mn-ea"/>
+              </a:rPr>
+              <a:t>的</a:t>
             </a:r>
             <a:r>
               <a:rPr smtClean="0">
@@ -27528,17 +27458,7 @@
                 <a:ea typeface="宋体" panose="02010600030101010101" pitchFamily="2" charset="-122"/>
                 <a:cs typeface="Courier New" panose="02070309020205020404" pitchFamily="49" charset="0"/>
               </a:rPr>
-              <a:t>s</a:t>
-            </a:r>
-            <a:r>
-              <a:rPr kumimoji="0" lang="en-US" altLang="zh-CN" sz="2400" b="1" i="0" u="none" strike="noStrike" cap="none" normalizeH="0" baseline="0" dirty="0">
-                <a:solidFill>
-                  <a:srgbClr val="C00000"/>
-                </a:solidFill>
-                <a:ea typeface="宋体" panose="02010600030101010101" pitchFamily="2" charset="-122"/>
-                <a:cs typeface="Courier New" panose="02070309020205020404" pitchFamily="49" charset="0"/>
-              </a:rPr>
-              <a:t>hape = "circle" coords = "180,139,14" href = "venus.html" alt = "Venus"</a:t>
+              <a:t>shape = "circle" coords = "180,139,14" href = "venus.html" alt = "Venus"</a:t>
             </a:r>
             <a:r>
               <a:rPr kumimoji="0" lang="en-US" altLang="zh-CN" sz="2400" b="1" i="0" u="none" strike="noStrike" cap="none" normalizeH="0" baseline="0" dirty="0" err="1" smtClean="0">
@@ -27585,17 +27505,7 @@
                 <a:ea typeface="宋体" panose="02010600030101010101" pitchFamily="2" charset="-122"/>
                 <a:cs typeface="Courier New" panose="02070309020205020404" pitchFamily="49" charset="0"/>
               </a:rPr>
-              <a:t>s</a:t>
-            </a:r>
-            <a:r>
-              <a:rPr kumimoji="0" lang="en-US" altLang="zh-CN" sz="2400" b="1" i="0" u="none" strike="noStrike" cap="none" normalizeH="0" baseline="0" dirty="0">
-                <a:solidFill>
-                  <a:srgbClr val="C00000"/>
-                </a:solidFill>
-                <a:ea typeface="宋体" panose="02010600030101010101" pitchFamily="2" charset="-122"/>
-                <a:cs typeface="Courier New" panose="02070309020205020404" pitchFamily="49" charset="0"/>
-              </a:rPr>
-              <a:t>hape = "rect"  coords = "0,0,110,260" href = "sun.html" alt = "Sun"</a:t>
+              <a:t>shape = "rect"  coords = "0,0,110,260" href = "sun.html" alt = "Sun"</a:t>
             </a:r>
             <a:r>
               <a:rPr kumimoji="0" lang="en-US" altLang="zh-CN" sz="2400" b="1" i="0" u="none" strike="noStrike" cap="none" normalizeH="0" baseline="0" dirty="0" err="1" smtClean="0">
@@ -32733,13 +32643,6 @@
                   <a:srgbClr val="FF0000"/>
                 </a:solidFill>
               </a:rPr>
-              <a:t>标签</a:t>
-            </a:r>
-            <a:r>
-              <a:rPr lang="zh-CN" altLang="en-US"/>
-              <a:t>：</a:t>
-            </a:r>
-            <a:r>
               <a:t>&lt;table&gt;&lt;/table&gt;</a:t>
             </a:r>
           </a:p>
@@ -32819,18 +32722,6 @@
                 <a:solidFill>
                   <a:srgbClr val="FF0000"/>
                 </a:solidFill>
-                <a:sym typeface="+mn-ea"/>
-              </a:rPr>
-              <a:t>标签</a:t>
-            </a:r>
-            <a:r>
-              <a:rPr lang="zh-CN" altLang="en-US">
-                <a:sym typeface="+mn-ea"/>
-              </a:rPr>
-              <a:t>：</a:t>
-            </a:r>
-            <a:r>
-              <a:rPr>
                 <a:sym typeface="+mn-ea"/>
               </a:rPr>
               <a:t>&lt;tr&gt;&lt;/tr&gt;</a:t>
@@ -33006,13 +32897,6 @@
                   <a:srgbClr val="FF0000"/>
                 </a:solidFill>
               </a:rPr>
-              <a:t>标签</a:t>
-            </a:r>
-            <a:r>
-              <a:rPr lang="zh-CN" altLang="en-US"/>
-              <a:t>：</a:t>
-            </a:r>
-            <a:r>
               <a:t>&lt;th&gt;&lt;/th&gt;</a:t>
             </a:r>
           </a:p>
@@ -33132,18 +33016,6 @@
                 <a:solidFill>
                   <a:srgbClr val="FF0000"/>
                 </a:solidFill>
-                <a:sym typeface="+mn-ea"/>
-              </a:rPr>
-              <a:t>标签</a:t>
-            </a:r>
-            <a:r>
-              <a:rPr lang="zh-CN" altLang="en-US">
-                <a:sym typeface="+mn-ea"/>
-              </a:rPr>
-              <a:t>：</a:t>
-            </a:r>
-            <a:r>
-              <a:rPr>
                 <a:sym typeface="+mn-ea"/>
               </a:rPr>
               <a:t>&lt;td&gt;&lt;/td&gt;</a:t>

--- a/materials/slides/ch03-htmlBasic2.pptx
+++ b/materials/slides/ch03-htmlBasic2.pptx
@@ -26,8 +26,8 @@
     <p:sldId id="602" r:id="rId19"/>
     <p:sldId id="588" r:id="rId20"/>
     <p:sldId id="604" r:id="rId21"/>
-    <p:sldId id="605" r:id="rId22"/>
-    <p:sldId id="616" r:id="rId23"/>
+    <p:sldId id="616" r:id="rId22"/>
+    <p:sldId id="647" r:id="rId23"/>
     <p:sldId id="607" r:id="rId24"/>
     <p:sldId id="608" r:id="rId25"/>
     <p:sldId id="618" r:id="rId26"/>
@@ -40,7 +40,7 @@
     <p:sldId id="609" r:id="rId33"/>
     <p:sldId id="610" r:id="rId34"/>
     <p:sldId id="624" r:id="rId35"/>
-    <p:sldId id="625" r:id="rId36"/>
+    <p:sldId id="648" r:id="rId36"/>
     <p:sldId id="626" r:id="rId37"/>
     <p:sldId id="589" r:id="rId38"/>
     <p:sldId id="627" r:id="rId39"/>
@@ -673,6 +673,50 @@
 </file>
 
 <file path=ppt/notesSlides/notesSlide4.xml><?xml version="1.0" encoding="utf-8"?>
+<p:notes xmlns:a="http://schemas.openxmlformats.org/drawingml/2006/main" xmlns:r="http://schemas.openxmlformats.org/officeDocument/2006/relationships" xmlns:p="http://schemas.openxmlformats.org/presentationml/2006/main">
+  <p:cSld>
+    <p:spTree>
+      <p:nvGrpSpPr>
+        <p:cNvPr id="1" name=""/>
+        <p:cNvGrpSpPr/>
+        <p:nvPr/>
+      </p:nvGrpSpPr>
+      <p:grpSpPr/>
+      <p:sp>
+        <p:nvSpPr>
+          <p:cNvPr id="2" name="幻灯片图像占位符 1"/>
+          <p:cNvSpPr/>
+          <p:nvPr>
+            <p:ph type="sldImg" idx="2"/>
+          </p:nvPr>
+        </p:nvSpPr>
+        <p:spPr/>
+      </p:sp>
+      <p:sp>
+        <p:nvSpPr>
+          <p:cNvPr id="3" name="文本占位符 2"/>
+          <p:cNvSpPr/>
+          <p:nvPr>
+            <p:ph type="body" idx="3"/>
+          </p:nvPr>
+        </p:nvSpPr>
+        <p:spPr/>
+        <p:txBody>
+          <a:bodyPr/>
+          <a:p>
+            <a:endParaRPr lang="zh-CN" altLang="en-US"/>
+          </a:p>
+        </p:txBody>
+      </p:sp>
+    </p:spTree>
+  </p:cSld>
+  <p:clrMapOvr>
+    <a:masterClrMapping/>
+  </p:clrMapOvr>
+</p:notes>
+</file>
+
+<file path=ppt/notesSlides/notesSlide5.xml><?xml version="1.0" encoding="utf-8"?>
 <p:notes xmlns:a="http://schemas.openxmlformats.org/drawingml/2006/main" xmlns:r="http://schemas.openxmlformats.org/officeDocument/2006/relationships" xmlns:p="http://schemas.openxmlformats.org/presentationml/2006/main">
   <p:cSld>
     <p:spTree>
@@ -10732,7 +10776,7 @@
             <a:lstStyle/>
             <a:p>
               <a:r>
-                <a:rPr lang="en-US" altLang="zh-CN" sz="2800" dirty="0" smtClean="0">
+                <a:rPr lang="zh-CN" altLang="en-US" sz="2800" dirty="0" smtClean="0">
                   <a:solidFill>
                     <a:srgbClr val="595E64"/>
                   </a:solidFill>
@@ -10741,9 +10785,9 @@
                 </a:rPr>
                 <a:t>内容小结</a:t>
               </a:r>
-              <a:endParaRPr lang="zh-CN" altLang="en-US" sz="2800" dirty="0">
-                <a:solidFill>
-                  <a:schemeClr val="tx1"/>
+              <a:endParaRPr lang="zh-CN" altLang="en-US" sz="2800" dirty="0" smtClean="0">
+                <a:solidFill>
+                  <a:srgbClr val="595E64"/>
                 </a:solidFill>
                 <a:latin typeface="微软雅黑" panose="020B0503020204020204" pitchFamily="34" charset="-122"/>
                 <a:ea typeface="微软雅黑" panose="020B0503020204020204" pitchFamily="34" charset="-122"/>
@@ -10868,7 +10912,7 @@
             </a:bodyPr>
             <a:p>
               <a:r>
-                <a:rPr lang="en-US" altLang="zh-CN" sz="2800" dirty="0" smtClean="0">
+                <a:rPr lang="zh-CN" altLang="en-US" sz="2800" dirty="0" smtClean="0">
                   <a:solidFill>
                     <a:srgbClr val="595E64"/>
                   </a:solidFill>
@@ -11253,17 +11297,21 @@
             <p:ph sz="half" idx="1"/>
           </p:nvPr>
         </p:nvSpPr>
-        <p:spPr/>
+        <p:spPr>
+          <a:xfrm>
+            <a:off x="638810" y="1085850"/>
+            <a:ext cx="11106785" cy="5305425"/>
+          </a:xfrm>
+        </p:spPr>
         <p:txBody>
-          <a:bodyPr/>
+          <a:bodyPr>
+            <a:normAutofit/>
+          </a:bodyPr>
           <a:p>
             <a:pPr>
               <a:lnSpc>
-                <a:spcPts val="4840"/>
+                <a:spcPct val="150000"/>
               </a:lnSpc>
-              <a:spcAft>
-                <a:spcPts val="1200"/>
-              </a:spcAft>
               <a:buClr>
                 <a:schemeClr val="tx1"/>
               </a:buClr>
@@ -11336,6 +11384,9 @@
               </a:rPr>
               <a:t>。</a:t>
             </a:r>
+            <a:endParaRPr lang="zh-CN" altLang="en-US"/>
+          </a:p>
+          <a:p>
             <a:endParaRPr lang="zh-CN" altLang="en-US"/>
           </a:p>
         </p:txBody>
@@ -11353,6 +11404,13 @@
       <p:transition spd="slow"/>
     </mc:Fallback>
   </mc:AlternateContent>
+  <p:timing>
+    <p:tnLst>
+      <p:par>
+        <p:cTn id="1" dur="indefinite" restart="never" nodeType="tmRoot"/>
+      </p:par>
+    </p:tnLst>
+  </p:timing>
 </p:sld>
 </file>
 
@@ -11940,13 +11998,18 @@
           </a:bodyPr>
           <a:p>
             <a:r>
-              <a:rPr lang="zh-CN" altLang="en-US">
+              <a:rPr>
                 <a:solidFill>
                   <a:srgbClr val="FF0000"/>
                 </a:solidFill>
               </a:rPr>
               <a:t>&lt;form&gt;&lt;/form&gt;</a:t>
             </a:r>
+            <a:endParaRPr>
+              <a:solidFill>
+                <a:srgbClr val="FF0000"/>
+              </a:solidFill>
+            </a:endParaRPr>
           </a:p>
           <a:p>
             <a:pPr lvl="1"/>
@@ -12041,26 +12104,125 @@
           <a:p>
             <a:pPr lvl="2"/>
             <a:r>
+              <a:rPr lang="en-US" altLang="zh-CN" dirty="0" smtClean="0">
+                <a:solidFill>
+                  <a:schemeClr val="tx1"/>
+                </a:solidFill>
+                <a:sym typeface="+mn-ea"/>
+              </a:rPr>
+              <a:t>action</a:t>
+            </a:r>
+            <a:r>
               <a:rPr lang="zh-CN" altLang="en-US" dirty="0" smtClean="0">
-                <a:sym typeface="+mn-ea"/>
-              </a:rPr>
-              <a:t>action：   规定向何处发送提交的表单数据。值：URL</a:t>
-            </a:r>
-            <a:endParaRPr lang="zh-CN" altLang="en-US" dirty="0" smtClean="0">
+                <a:solidFill>
+                  <a:schemeClr val="tx1"/>
+                </a:solidFill>
+                <a:sym typeface="+mn-ea"/>
+              </a:rPr>
+              <a:t>：   </a:t>
+            </a:r>
+            <a:r>
+              <a:rPr lang="zh-CN" altLang="en-US" dirty="0">
+                <a:solidFill>
+                  <a:schemeClr val="tx1"/>
+                </a:solidFill>
+                <a:sym typeface="+mn-ea"/>
+              </a:rPr>
+              <a:t>规定</a:t>
+            </a:r>
+            <a:r>
+              <a:rPr lang="zh-CN" altLang="en-US" dirty="0" smtClean="0">
+                <a:solidFill>
+                  <a:schemeClr val="tx1"/>
+                </a:solidFill>
+                <a:sym typeface="+mn-ea"/>
+              </a:rPr>
+              <a:t>向何处发送提交的表单数据。值：</a:t>
+            </a:r>
+            <a:r>
+              <a:rPr lang="en-US" altLang="zh-CN" dirty="0" smtClean="0">
+                <a:solidFill>
+                  <a:schemeClr val="tx1"/>
+                </a:solidFill>
+                <a:sym typeface="+mn-ea"/>
+              </a:rPr>
+              <a:t>URL</a:t>
+            </a:r>
+            <a:endParaRPr lang="en-US" altLang="zh-CN" dirty="0" smtClean="0">
+              <a:solidFill>
+                <a:schemeClr val="tx1"/>
+              </a:solidFill>
               <a:sym typeface="+mn-ea"/>
             </a:endParaRPr>
           </a:p>
           <a:p>
             <a:pPr lvl="2"/>
             <a:r>
+              <a:rPr lang="en-US" altLang="zh-CN" dirty="0" smtClean="0">
+                <a:solidFill>
+                  <a:schemeClr val="tx1"/>
+                </a:solidFill>
+                <a:sym typeface="+mn-ea"/>
+              </a:rPr>
+              <a:t>method</a:t>
+            </a:r>
+            <a:r>
               <a:rPr lang="zh-CN" altLang="en-US" dirty="0" smtClean="0">
-                <a:sym typeface="+mn-ea"/>
-              </a:rPr>
-              <a:t>method：规定以何种方式将表单数据传送到服务器。值：get/post</a:t>
+                <a:solidFill>
+                  <a:schemeClr val="tx1"/>
+                </a:solidFill>
+                <a:sym typeface="+mn-ea"/>
+              </a:rPr>
+              <a:t>：</a:t>
+            </a:r>
+            <a:r>
+              <a:rPr lang="zh-CN" altLang="en-US" dirty="0">
+                <a:solidFill>
+                  <a:schemeClr val="tx1"/>
+                </a:solidFill>
+                <a:sym typeface="+mn-ea"/>
+              </a:rPr>
+              <a:t>规定</a:t>
+            </a:r>
+            <a:r>
+              <a:rPr lang="zh-CN" altLang="en-US" dirty="0" smtClean="0">
+                <a:solidFill>
+                  <a:schemeClr val="tx1"/>
+                </a:solidFill>
+                <a:sym typeface="+mn-ea"/>
+              </a:rPr>
+              <a:t>以何种方式将表</a:t>
+            </a:r>
+            <a:r>
+              <a:rPr lang="zh-CN" altLang="en-US" dirty="0">
+                <a:solidFill>
+                  <a:schemeClr val="tx1"/>
+                </a:solidFill>
+                <a:sym typeface="+mn-ea"/>
+              </a:rPr>
+              <a:t>单数据传送到</a:t>
+            </a:r>
+            <a:r>
+              <a:rPr lang="zh-CN" altLang="en-US" dirty="0" smtClean="0">
+                <a:solidFill>
+                  <a:schemeClr val="tx1"/>
+                </a:solidFill>
+                <a:sym typeface="+mn-ea"/>
+              </a:rPr>
+              <a:t>服务器。值：</a:t>
+            </a:r>
+            <a:r>
+              <a:rPr lang="en-US" altLang="zh-CN" dirty="0" smtClean="0">
+                <a:solidFill>
+                  <a:schemeClr val="tx1"/>
+                </a:solidFill>
+                <a:sym typeface="+mn-ea"/>
+              </a:rPr>
+              <a:t>get/post</a:t>
             </a:r>
             <a:endParaRPr lang="en-US" altLang="zh-CN" dirty="0" smtClean="0">
               <a:solidFill>
-                <a:srgbClr val="FF0000"/>
+                <a:schemeClr val="tx1"/>
               </a:solidFill>
               <a:sym typeface="+mn-ea"/>
             </a:endParaRPr>
@@ -12215,7 +12377,280 @@
   <p:timing>
     <p:tnLst>
       <p:par>
-        <p:cTn id="1" dur="indefinite" restart="never" nodeType="tmRoot"/>
+        <p:cTn id="1" dur="indefinite" restart="never" nodeType="tmRoot">
+          <p:childTnLst>
+            <p:seq concurrent="1" nextAc="seek">
+              <p:cTn id="2" dur="indefinite" nodeType="mainSeq">
+                <p:childTnLst>
+                  <p:par>
+                    <p:cTn id="3" fill="hold">
+                      <p:stCondLst>
+                        <p:cond delay="indefinite"/>
+                      </p:stCondLst>
+                      <p:childTnLst>
+                        <p:par>
+                          <p:cTn id="4" fill="hold">
+                            <p:stCondLst>
+                              <p:cond delay="0"/>
+                            </p:stCondLst>
+                            <p:childTnLst>
+                              <p:par>
+                                <p:cTn id="5" presetID="22" presetClass="entr" presetSubtype="8" fill="hold" nodeType="clickEffect">
+                                  <p:stCondLst>
+                                    <p:cond delay="0"/>
+                                  </p:stCondLst>
+                                  <p:childTnLst>
+                                    <p:set>
+                                      <p:cBhvr>
+                                        <p:cTn id="6" dur="1" fill="hold">
+                                          <p:stCondLst>
+                                            <p:cond delay="0"/>
+                                          </p:stCondLst>
+                                        </p:cTn>
+                                        <p:tgtEl>
+                                          <p:spTgt spid="3">
+                                            <p:txEl>
+                                              <p:pRg st="4" end="4"/>
+                                            </p:txEl>
+                                          </p:spTgt>
+                                        </p:tgtEl>
+                                        <p:attrNameLst>
+                                          <p:attrName>style.visibility</p:attrName>
+                                        </p:attrNameLst>
+                                      </p:cBhvr>
+                                      <p:to>
+                                        <p:strVal val="visible"/>
+                                      </p:to>
+                                    </p:set>
+                                    <p:animEffect transition="in" filter="wipe(left)">
+                                      <p:cBhvr>
+                                        <p:cTn id="7" dur="500"/>
+                                        <p:tgtEl>
+                                          <p:spTgt spid="3">
+                                            <p:txEl>
+                                              <p:pRg st="4" end="4"/>
+                                            </p:txEl>
+                                          </p:spTgt>
+                                        </p:tgtEl>
+                                      </p:cBhvr>
+                                    </p:animEffect>
+                                  </p:childTnLst>
+                                </p:cTn>
+                              </p:par>
+                              <p:par>
+                                <p:cTn id="8" presetID="22" presetClass="entr" presetSubtype="8" fill="hold" nodeType="withEffect">
+                                  <p:stCondLst>
+                                    <p:cond delay="0"/>
+                                  </p:stCondLst>
+                                  <p:childTnLst>
+                                    <p:set>
+                                      <p:cBhvr>
+                                        <p:cTn id="9" dur="1" fill="hold">
+                                          <p:stCondLst>
+                                            <p:cond delay="0"/>
+                                          </p:stCondLst>
+                                        </p:cTn>
+                                        <p:tgtEl>
+                                          <p:spTgt spid="3">
+                                            <p:txEl>
+                                              <p:pRg st="5" end="5"/>
+                                            </p:txEl>
+                                          </p:spTgt>
+                                        </p:tgtEl>
+                                        <p:attrNameLst>
+                                          <p:attrName>style.visibility</p:attrName>
+                                        </p:attrNameLst>
+                                      </p:cBhvr>
+                                      <p:to>
+                                        <p:strVal val="visible"/>
+                                      </p:to>
+                                    </p:set>
+                                    <p:animEffect transition="in" filter="wipe(left)">
+                                      <p:cBhvr>
+                                        <p:cTn id="10" dur="500"/>
+                                        <p:tgtEl>
+                                          <p:spTgt spid="3">
+                                            <p:txEl>
+                                              <p:pRg st="5" end="5"/>
+                                            </p:txEl>
+                                          </p:spTgt>
+                                        </p:tgtEl>
+                                      </p:cBhvr>
+                                    </p:animEffect>
+                                  </p:childTnLst>
+                                </p:cTn>
+                              </p:par>
+                              <p:par>
+                                <p:cTn id="11" presetID="22" presetClass="entr" presetSubtype="8" fill="hold" nodeType="withEffect">
+                                  <p:stCondLst>
+                                    <p:cond delay="0"/>
+                                  </p:stCondLst>
+                                  <p:childTnLst>
+                                    <p:set>
+                                      <p:cBhvr>
+                                        <p:cTn id="12" dur="1" fill="hold">
+                                          <p:stCondLst>
+                                            <p:cond delay="0"/>
+                                          </p:stCondLst>
+                                        </p:cTn>
+                                        <p:tgtEl>
+                                          <p:spTgt spid="3">
+                                            <p:txEl>
+                                              <p:pRg st="6" end="6"/>
+                                            </p:txEl>
+                                          </p:spTgt>
+                                        </p:tgtEl>
+                                        <p:attrNameLst>
+                                          <p:attrName>style.visibility</p:attrName>
+                                        </p:attrNameLst>
+                                      </p:cBhvr>
+                                      <p:to>
+                                        <p:strVal val="visible"/>
+                                      </p:to>
+                                    </p:set>
+                                    <p:animEffect transition="in" filter="wipe(left)">
+                                      <p:cBhvr>
+                                        <p:cTn id="13" dur="500"/>
+                                        <p:tgtEl>
+                                          <p:spTgt spid="3">
+                                            <p:txEl>
+                                              <p:pRg st="6" end="6"/>
+                                            </p:txEl>
+                                          </p:spTgt>
+                                        </p:tgtEl>
+                                      </p:cBhvr>
+                                    </p:animEffect>
+                                  </p:childTnLst>
+                                </p:cTn>
+                              </p:par>
+                            </p:childTnLst>
+                          </p:cTn>
+                        </p:par>
+                      </p:childTnLst>
+                    </p:cTn>
+                  </p:par>
+                  <p:par>
+                    <p:cTn id="14" fill="hold">
+                      <p:stCondLst>
+                        <p:cond delay="indefinite"/>
+                      </p:stCondLst>
+                      <p:childTnLst>
+                        <p:par>
+                          <p:cTn id="15" fill="hold">
+                            <p:stCondLst>
+                              <p:cond delay="0"/>
+                            </p:stCondLst>
+                            <p:childTnLst>
+                              <p:par>
+                                <p:cTn id="16" presetID="2" presetClass="entr" presetSubtype="4" fill="hold" nodeType="clickEffect">
+                                  <p:stCondLst>
+                                    <p:cond delay="0"/>
+                                  </p:stCondLst>
+                                  <p:childTnLst>
+                                    <p:set>
+                                      <p:cBhvr>
+                                        <p:cTn id="17" dur="1" fill="hold">
+                                          <p:stCondLst>
+                                            <p:cond delay="0"/>
+                                          </p:stCondLst>
+                                        </p:cTn>
+                                        <p:tgtEl>
+                                          <p:spTgt spid="3">
+                                            <p:txEl>
+                                              <p:pRg st="7" end="7"/>
+                                            </p:txEl>
+                                          </p:spTgt>
+                                        </p:tgtEl>
+                                        <p:attrNameLst>
+                                          <p:attrName>style.visibility</p:attrName>
+                                        </p:attrNameLst>
+                                      </p:cBhvr>
+                                      <p:to>
+                                        <p:strVal val="visible"/>
+                                      </p:to>
+                                    </p:set>
+                                    <p:anim calcmode="lin" valueType="num">
+                                      <p:cBhvr additive="base">
+                                        <p:cTn id="18" dur="500" fill="hold"/>
+                                        <p:tgtEl>
+                                          <p:spTgt spid="3">
+                                            <p:txEl>
+                                              <p:pRg st="7" end="7"/>
+                                            </p:txEl>
+                                          </p:spTgt>
+                                        </p:tgtEl>
+                                        <p:attrNameLst>
+                                          <p:attrName>ppt_x</p:attrName>
+                                        </p:attrNameLst>
+                                      </p:cBhvr>
+                                      <p:tavLst>
+                                        <p:tav tm="0">
+                                          <p:val>
+                                            <p:strVal val="#ppt_x"/>
+                                          </p:val>
+                                        </p:tav>
+                                        <p:tav tm="100000">
+                                          <p:val>
+                                            <p:strVal val="#ppt_x"/>
+                                          </p:val>
+                                        </p:tav>
+                                      </p:tavLst>
+                                    </p:anim>
+                                    <p:anim calcmode="lin" valueType="num">
+                                      <p:cBhvr additive="base">
+                                        <p:cTn id="19" dur="500" fill="hold"/>
+                                        <p:tgtEl>
+                                          <p:spTgt spid="3">
+                                            <p:txEl>
+                                              <p:pRg st="7" end="7"/>
+                                            </p:txEl>
+                                          </p:spTgt>
+                                        </p:tgtEl>
+                                        <p:attrNameLst>
+                                          <p:attrName>ppt_y</p:attrName>
+                                        </p:attrNameLst>
+                                      </p:cBhvr>
+                                      <p:tavLst>
+                                        <p:tav tm="0">
+                                          <p:val>
+                                            <p:strVal val="1+#ppt_h/2"/>
+                                          </p:val>
+                                        </p:tav>
+                                        <p:tav tm="100000">
+                                          <p:val>
+                                            <p:strVal val="#ppt_y"/>
+                                          </p:val>
+                                        </p:tav>
+                                      </p:tavLst>
+                                    </p:anim>
+                                  </p:childTnLst>
+                                </p:cTn>
+                              </p:par>
+                            </p:childTnLst>
+                          </p:cTn>
+                        </p:par>
+                      </p:childTnLst>
+                    </p:cTn>
+                  </p:par>
+                </p:childTnLst>
+              </p:cTn>
+              <p:prevCondLst>
+                <p:cond evt="onPrev" delay="0">
+                  <p:tgtEl>
+                    <p:sldTgt/>
+                  </p:tgtEl>
+                </p:cond>
+              </p:prevCondLst>
+              <p:nextCondLst>
+                <p:cond evt="onNext" delay="0">
+                  <p:tgtEl>
+                    <p:sldTgt/>
+                  </p:tgtEl>
+                </p:cond>
+              </p:nextCondLst>
+            </p:seq>
+          </p:childTnLst>
+        </p:cTn>
       </p:par>
     </p:tnLst>
   </p:timing>
@@ -13170,7 +13605,7 @@
                   <a:srgbClr val="FF0000"/>
                 </a:solidFill>
               </a:rPr>
-              <a:t>文本框</a:t>
+              <a:t>文本域</a:t>
             </a:r>
             <a:endParaRPr lang="zh-CN" altLang="en-US">
               <a:solidFill>
@@ -13541,6 +13976,41 @@
           </a:p>
           <a:p>
             <a:endParaRPr lang="zh-CN" altLang="en-US" dirty="0"/>
+          </a:p>
+        </p:txBody>
+      </p:sp>
+      <p:sp>
+        <p:nvSpPr>
+          <p:cNvPr id="4" name="文本框 10"/>
+          <p:cNvSpPr txBox="1"/>
+          <p:nvPr/>
+        </p:nvSpPr>
+        <p:spPr>
+          <a:xfrm>
+            <a:off x="9360848" y="5830252"/>
+            <a:ext cx="2468245" cy="508000"/>
+          </a:xfrm>
+          <a:prstGeom prst="rect">
+            <a:avLst/>
+          </a:prstGeom>
+          <a:noFill/>
+        </p:spPr>
+        <p:txBody>
+          <a:bodyPr wrap="none" lIns="108850" tIns="54425" rIns="108850" bIns="54425" rtlCol="0">
+            <a:spAutoFit/>
+          </a:bodyPr>
+          <a:p>
+            <a:r>
+              <a:rPr lang="en-US" altLang="zh-CN" sz="2600" dirty="0" smtClean="0">
+                <a:latin typeface="微软雅黑" panose="020B0503020204020204" pitchFamily="34" charset="-122"/>
+                <a:ea typeface="微软雅黑" panose="020B0503020204020204" pitchFamily="34" charset="-122"/>
+              </a:rPr>
+              <a:t>demo3-2.html</a:t>
+            </a:r>
+            <a:endParaRPr lang="zh-CN" altLang="en-US" sz="2600" dirty="0">
+              <a:latin typeface="微软雅黑" panose="020B0503020204020204" pitchFamily="34" charset="-122"/>
+              <a:ea typeface="微软雅黑" panose="020B0503020204020204" pitchFamily="34" charset="-122"/>
+            </a:endParaRPr>
           </a:p>
         </p:txBody>
       </p:sp>
@@ -14401,7 +14871,7 @@
                   <a:srgbClr val="FF0000"/>
                 </a:solidFill>
               </a:rPr>
-              <a:t>密码框</a:t>
+              <a:t>密码域</a:t>
             </a:r>
             <a:endParaRPr lang="zh-CN" altLang="en-US">
               <a:solidFill>
@@ -14430,7 +14900,7 @@
                 </a:solidFill>
                 <a:sym typeface="+mn-ea"/>
               </a:rPr>
-              <a:t>密码框</a:t>
+              <a:t>密码域</a:t>
             </a:r>
             <a:r>
               <a:rPr lang="zh-CN" altLang="en-US" dirty="0" smtClean="0">
@@ -14801,9 +15271,6 @@
                     <p:cTn id="3" fill="hold">
                       <p:stCondLst>
                         <p:cond delay="indefinite"/>
-                        <p:cond evt="onBegin" delay="0">
-                          <p:tn val="2"/>
-                        </p:cond>
                       </p:stCondLst>
                       <p:childTnLst>
                         <p:par>
@@ -14813,7 +15280,7 @@
                             </p:stCondLst>
                             <p:childTnLst>
                               <p:par>
-                                <p:cTn id="5" presetID="10" presetClass="entr" presetSubtype="0" fill="hold" grpId="0" nodeType="withEffect">
+                                <p:cTn id="5" presetID="10" presetClass="entr" presetSubtype="0" fill="hold" grpId="0" nodeType="clickEffect">
                                   <p:stCondLst>
                                     <p:cond delay="0"/>
                                   </p:stCondLst>
@@ -14821,6 +15288,41 @@
                                     <p:set>
                                       <p:cBhvr>
                                         <p:cTn id="6" dur="1" fill="hold">
+                                          <p:stCondLst>
+                                            <p:cond delay="0"/>
+                                          </p:stCondLst>
+                                        </p:cTn>
+                                        <p:tgtEl>
+                                          <p:spTgt spid="4"/>
+                                        </p:tgtEl>
+                                        <p:attrNameLst>
+                                          <p:attrName>style.visibility</p:attrName>
+                                        </p:attrNameLst>
+                                      </p:cBhvr>
+                                      <p:to>
+                                        <p:strVal val="visible"/>
+                                      </p:to>
+                                    </p:set>
+                                    <p:animEffect transition="in" filter="fade">
+                                      <p:cBhvr>
+                                        <p:cTn id="7" dur="500"/>
+                                        <p:tgtEl>
+                                          <p:spTgt spid="4"/>
+                                        </p:tgtEl>
+                                      </p:cBhvr>
+                                    </p:animEffect>
+                                  </p:childTnLst>
+                                </p:cTn>
+                              </p:par>
+                              <p:par>
+                                <p:cTn id="8" presetID="10" presetClass="entr" presetSubtype="0" fill="hold" grpId="0" nodeType="withEffect">
+                                  <p:stCondLst>
+                                    <p:cond delay="0"/>
+                                  </p:stCondLst>
+                                  <p:childTnLst>
+                                    <p:set>
+                                      <p:cBhvr>
+                                        <p:cTn id="9" dur="1" fill="hold">
                                           <p:stCondLst>
                                             <p:cond delay="0"/>
                                           </p:stCondLst>
@@ -14838,62 +15340,9 @@
                                     </p:set>
                                     <p:animEffect transition="in" filter="fade">
                                       <p:cBhvr>
-                                        <p:cTn id="7" dur="500"/>
+                                        <p:cTn id="10" dur="500"/>
                                         <p:tgtEl>
                                           <p:spTgt spid="10"/>
-                                        </p:tgtEl>
-                                      </p:cBhvr>
-                                    </p:animEffect>
-                                  </p:childTnLst>
-                                </p:cTn>
-                              </p:par>
-                            </p:childTnLst>
-                          </p:cTn>
-                        </p:par>
-                      </p:childTnLst>
-                    </p:cTn>
-                  </p:par>
-                  <p:par>
-                    <p:cTn id="8" fill="hold">
-                      <p:stCondLst>
-                        <p:cond delay="indefinite"/>
-                      </p:stCondLst>
-                      <p:childTnLst>
-                        <p:par>
-                          <p:cTn id="9" fill="hold">
-                            <p:stCondLst>
-                              <p:cond delay="0"/>
-                            </p:stCondLst>
-                            <p:childTnLst>
-                              <p:par>
-                                <p:cTn id="10" presetID="10" presetClass="entr" presetSubtype="0" fill="hold" grpId="0" nodeType="clickEffect">
-                                  <p:stCondLst>
-                                    <p:cond delay="0"/>
-                                  </p:stCondLst>
-                                  <p:childTnLst>
-                                    <p:set>
-                                      <p:cBhvr>
-                                        <p:cTn id="11" dur="1" fill="hold">
-                                          <p:stCondLst>
-                                            <p:cond delay="0"/>
-                                          </p:stCondLst>
-                                        </p:cTn>
-                                        <p:tgtEl>
-                                          <p:spTgt spid="4"/>
-                                        </p:tgtEl>
-                                        <p:attrNameLst>
-                                          <p:attrName>style.visibility</p:attrName>
-                                        </p:attrNameLst>
-                                      </p:cBhvr>
-                                      <p:to>
-                                        <p:strVal val="visible"/>
-                                      </p:to>
-                                    </p:set>
-                                    <p:animEffect transition="in" filter="fade">
-                                      <p:cBhvr>
-                                        <p:cTn id="12" dur="500"/>
-                                        <p:tgtEl>
-                                          <p:spTgt spid="4"/>
                                         </p:tgtEl>
                                       </p:cBhvr>
                                     </p:animEffect>
@@ -14928,8 +15377,8 @@
       </p:par>
     </p:tnLst>
     <p:bldLst>
+      <p:bldP spid="4" grpId="0" animBg="1"/>
       <p:bldP spid="10" grpId="0"/>
-      <p:bldP spid="4" grpId="0" bldLvl="0" animBg="1"/>
     </p:bldLst>
   </p:timing>
 </p:sld>
@@ -15412,7 +15861,7 @@
           <a:p>
             <a:pPr>
               <a:lnSpc>
-                <a:spcPct val="120000"/>
+                <a:spcPct val="150000"/>
               </a:lnSpc>
             </a:pPr>
             <a:r>
@@ -15445,11 +15894,22 @@
               </a:rPr>
               <a:t>使用选择框。</a:t>
             </a:r>
+            <a:endParaRPr lang="zh-CN" altLang="en-US" smtClean="0">
+              <a:sym typeface="+mn-ea"/>
+            </a:endParaRPr>
+          </a:p>
+          <a:p>
+            <a:pPr marL="0" indent="0">
+              <a:lnSpc>
+                <a:spcPct val="100000"/>
+              </a:lnSpc>
+              <a:buNone/>
+            </a:pPr>
             <a:r>
               <a:rPr smtClean="0">
                 <a:sym typeface="+mn-ea"/>
               </a:rPr>
-              <a:t>HTML</a:t>
+              <a:t>    HTML </a:t>
             </a:r>
             <a:r>
               <a:rPr lang="zh-CN" altLang="en-US">
@@ -15494,6 +15954,11 @@
             </a:endParaRPr>
           </a:p>
           <a:p>
+            <a:pPr>
+              <a:lnSpc>
+                <a:spcPct val="150000"/>
+              </a:lnSpc>
+            </a:pPr>
             <a:r>
               <a:rPr lang="zh-CN" altLang="en-US">
                 <a:solidFill>
@@ -15514,7 +15979,7 @@
         </p:nvSpPr>
         <p:spPr>
           <a:xfrm>
-            <a:off x="1271905" y="2985770"/>
+            <a:off x="1271905" y="3029585"/>
             <a:ext cx="9277350" cy="1506855"/>
           </a:xfrm>
           <a:prstGeom prst="rect">
@@ -15930,8 +16395,8 @@
         </p:nvSpPr>
         <p:spPr>
           <a:xfrm>
-            <a:off x="1602105" y="4550410"/>
-            <a:ext cx="9104630" cy="1799590"/>
+            <a:off x="1602105" y="4519930"/>
+            <a:ext cx="9238615" cy="1799590"/>
           </a:xfrm>
           <a:prstGeom prst="rect">
             <a:avLst/>
@@ -16539,9 +17004,13 @@
                   <a:srgbClr val="FF0000"/>
                 </a:solidFill>
               </a:rPr>
-              <a:t>多选框</a:t>
-            </a:r>
-            <a:endParaRPr lang="zh-CN" altLang="en-US"/>
+              <a:t>复选框</a:t>
+            </a:r>
+            <a:endParaRPr lang="zh-CN" altLang="en-US">
+              <a:solidFill>
+                <a:srgbClr val="FF0000"/>
+              </a:solidFill>
+            </a:endParaRPr>
           </a:p>
         </p:txBody>
       </p:sp>
@@ -17230,6 +17699,41 @@
                                   </p:childTnLst>
                                 </p:cTn>
                               </p:par>
+                              <p:par>
+                                <p:cTn id="8" presetID="10" presetClass="entr" presetSubtype="0" fill="hold" grpId="2" nodeType="withEffect">
+                                  <p:stCondLst>
+                                    <p:cond delay="0"/>
+                                  </p:stCondLst>
+                                  <p:childTnLst>
+                                    <p:set>
+                                      <p:cBhvr>
+                                        <p:cTn id="9" dur="1" fill="hold">
+                                          <p:stCondLst>
+                                            <p:cond delay="0"/>
+                                          </p:stCondLst>
+                                        </p:cTn>
+                                        <p:tgtEl>
+                                          <p:spTgt spid="16"/>
+                                        </p:tgtEl>
+                                        <p:attrNameLst>
+                                          <p:attrName>style.visibility</p:attrName>
+                                        </p:attrNameLst>
+                                      </p:cBhvr>
+                                      <p:to>
+                                        <p:strVal val="visible"/>
+                                      </p:to>
+                                    </p:set>
+                                    <p:animEffect transition="in" filter="fade">
+                                      <p:cBhvr>
+                                        <p:cTn id="10" dur="500"/>
+                                        <p:tgtEl>
+                                          <p:spTgt spid="16"/>
+                                        </p:tgtEl>
+                                      </p:cBhvr>
+                                    </p:animEffect>
+                                  </p:childTnLst>
+                                </p:cTn>
+                              </p:par>
                             </p:childTnLst>
                           </p:cTn>
                         </p:par>
@@ -17237,26 +17741,26 @@
                     </p:cTn>
                   </p:par>
                   <p:par>
-                    <p:cTn id="8" fill="hold">
+                    <p:cTn id="11" fill="hold">
                       <p:stCondLst>
                         <p:cond delay="indefinite"/>
                       </p:stCondLst>
                       <p:childTnLst>
                         <p:par>
-                          <p:cTn id="9" fill="hold">
+                          <p:cTn id="12" fill="hold">
                             <p:stCondLst>
                               <p:cond delay="0"/>
                             </p:stCondLst>
                             <p:childTnLst>
                               <p:par>
-                                <p:cTn id="10" presetID="42" presetClass="entr" presetSubtype="0" fill="hold" grpId="0" nodeType="clickEffect">
+                                <p:cTn id="13" presetID="42" presetClass="entr" presetSubtype="0" fill="hold" grpId="0" nodeType="clickEffect">
                                   <p:stCondLst>
                                     <p:cond delay="0"/>
                                   </p:stCondLst>
                                   <p:childTnLst>
                                     <p:set>
                                       <p:cBhvr>
-                                        <p:cTn id="11" dur="1" fill="hold">
+                                        <p:cTn id="14" dur="1" fill="hold">
                                           <p:stCondLst>
                                             <p:cond delay="0"/>
                                           </p:stCondLst>
@@ -17274,7 +17778,7 @@
                                     </p:set>
                                     <p:animEffect transition="in" filter="fade">
                                       <p:cBhvr>
-                                        <p:cTn id="12" dur="1000"/>
+                                        <p:cTn id="15" dur="1000"/>
                                         <p:tgtEl>
                                           <p:spTgt spid="10"/>
                                         </p:tgtEl>
@@ -17282,7 +17786,7 @@
                                     </p:animEffect>
                                     <p:anim calcmode="lin" valueType="num">
                                       <p:cBhvr>
-                                        <p:cTn id="13" dur="1000" fill="hold"/>
+                                        <p:cTn id="16" dur="1000" fill="hold"/>
                                         <p:tgtEl>
                                           <p:spTgt spid="10"/>
                                         </p:tgtEl>
@@ -17305,7 +17809,7 @@
                                     </p:anim>
                                     <p:anim calcmode="lin" valueType="num">
                                       <p:cBhvr>
-                                        <p:cTn id="14" dur="1000" fill="hold"/>
+                                        <p:cTn id="17" dur="1000" fill="hold"/>
                                         <p:tgtEl>
                                           <p:spTgt spid="10"/>
                                         </p:tgtEl>
@@ -17330,14 +17834,14 @@
                                 </p:cTn>
                               </p:par>
                               <p:par>
-                                <p:cTn id="15" presetID="42" presetClass="entr" presetSubtype="0" fill="hold" grpId="0" nodeType="withEffect">
+                                <p:cTn id="18" presetID="42" presetClass="entr" presetSubtype="0" fill="hold" grpId="0" nodeType="withEffect">
                                   <p:stCondLst>
                                     <p:cond delay="0"/>
                                   </p:stCondLst>
                                   <p:childTnLst>
                                     <p:set>
                                       <p:cBhvr>
-                                        <p:cTn id="16" dur="1" fill="hold">
+                                        <p:cTn id="19" dur="1" fill="hold">
                                           <p:stCondLst>
                                             <p:cond delay="0"/>
                                           </p:stCondLst>
@@ -17355,7 +17859,7 @@
                                     </p:set>
                                     <p:animEffect transition="in" filter="fade">
                                       <p:cBhvr>
-                                        <p:cTn id="17" dur="1000"/>
+                                        <p:cTn id="20" dur="1000"/>
                                         <p:tgtEl>
                                           <p:spTgt spid="11"/>
                                         </p:tgtEl>
@@ -17363,7 +17867,7 @@
                                     </p:animEffect>
                                     <p:anim calcmode="lin" valueType="num">
                                       <p:cBhvr>
-                                        <p:cTn id="18" dur="1000" fill="hold"/>
+                                        <p:cTn id="21" dur="1000" fill="hold"/>
                                         <p:tgtEl>
                                           <p:spTgt spid="11"/>
                                         </p:tgtEl>
@@ -17386,7 +17890,7 @@
                                     </p:anim>
                                     <p:anim calcmode="lin" valueType="num">
                                       <p:cBhvr>
-                                        <p:cTn id="19" dur="1000" fill="hold"/>
+                                        <p:cTn id="22" dur="1000" fill="hold"/>
                                         <p:tgtEl>
                                           <p:spTgt spid="11"/>
                                         </p:tgtEl>
@@ -17407,41 +17911,6 @@
                                         </p:tav>
                                       </p:tavLst>
                                     </p:anim>
-                                  </p:childTnLst>
-                                </p:cTn>
-                              </p:par>
-                              <p:par>
-                                <p:cTn id="20" presetID="10" presetClass="entr" presetSubtype="0" fill="hold" grpId="0" nodeType="withEffect">
-                                  <p:stCondLst>
-                                    <p:cond delay="0"/>
-                                  </p:stCondLst>
-                                  <p:childTnLst>
-                                    <p:set>
-                                      <p:cBhvr>
-                                        <p:cTn id="21" dur="1" fill="hold">
-                                          <p:stCondLst>
-                                            <p:cond delay="0"/>
-                                          </p:stCondLst>
-                                        </p:cTn>
-                                        <p:tgtEl>
-                                          <p:spTgt spid="16"/>
-                                        </p:tgtEl>
-                                        <p:attrNameLst>
-                                          <p:attrName>style.visibility</p:attrName>
-                                        </p:attrNameLst>
-                                      </p:cBhvr>
-                                      <p:to>
-                                        <p:strVal val="visible"/>
-                                      </p:to>
-                                    </p:set>
-                                    <p:animEffect transition="in" filter="fade">
-                                      <p:cBhvr>
-                                        <p:cTn id="22" dur="500"/>
-                                        <p:tgtEl>
-                                          <p:spTgt spid="16"/>
-                                        </p:tgtEl>
-                                      </p:cBhvr>
-                                    </p:animEffect>
                                   </p:childTnLst>
                                 </p:cTn>
                               </p:par>
@@ -17473,10 +17942,10 @@
       </p:par>
     </p:tnLst>
     <p:bldLst>
-      <p:bldP spid="4" grpId="0" bldLvl="0" animBg="1"/>
       <p:bldP spid="10" grpId="0" bldLvl="0" animBg="1"/>
       <p:bldP spid="11" grpId="0" bldLvl="0" animBg="1"/>
-      <p:bldP spid="16" grpId="0"/>
+      <p:bldP spid="4" grpId="0" animBg="1"/>
+      <p:bldP spid="16" grpId="2"/>
     </p:bldLst>
   </p:timing>
 </p:sld>
@@ -19444,7 +19913,7 @@
                   <a:srgbClr val="FF0000"/>
                 </a:solidFill>
               </a:rPr>
-              <a:t>文件控件</a:t>
+              <a:t>文本域</a:t>
             </a:r>
             <a:endParaRPr lang="zh-CN" altLang="en-US">
               <a:solidFill>
@@ -19485,31 +19954,13 @@
               <a:rPr lang="zh-CN" altLang="en-US" dirty="0">
                 <a:sym typeface="+mn-ea"/>
               </a:rPr>
-              <a:t>时，定义输入字段和 </a:t>
-            </a:r>
-            <a:r>
-              <a:rPr lang="en-US" altLang="zh-CN" dirty="0">
-                <a:sym typeface="+mn-ea"/>
-              </a:rPr>
-              <a:t>"</a:t>
-            </a:r>
-            <a:r>
-              <a:rPr lang="zh-CN" altLang="en-US" dirty="0">
-                <a:sym typeface="+mn-ea"/>
-              </a:rPr>
-              <a:t>浏览</a:t>
-            </a:r>
-            <a:r>
-              <a:rPr lang="en-US" altLang="zh-CN" dirty="0">
-                <a:sym typeface="+mn-ea"/>
-              </a:rPr>
-              <a:t>"</a:t>
-            </a:r>
-            <a:r>
-              <a:rPr lang="zh-CN" altLang="en-US" dirty="0">
-                <a:sym typeface="+mn-ea"/>
-              </a:rPr>
-              <a:t>按钮，供文件上传。</a:t>
+              <a:t>时，用于文件上传</a:t>
+            </a:r>
+            <a:r>
+              <a:rPr lang="zh-CN" altLang="en-US" dirty="0" smtClean="0">
+                <a:sym typeface="+mn-ea"/>
+              </a:rPr>
+              <a:t>。</a:t>
             </a:r>
             <a:endParaRPr lang="en-US" altLang="zh-CN" dirty="0"/>
           </a:p>
@@ -20192,8 +20643,9 @@
             </a:bodyPr>
             <a:lstStyle/>
             <a:p>
+              <a:pPr algn="l"/>
               <a:r>
-                <a:rPr lang="en-US" altLang="zh-CN" sz="2800" dirty="0" smtClean="0">
+                <a:rPr lang="zh-CN" altLang="en-US" sz="2800" dirty="0" smtClean="0">
                   <a:solidFill>
                     <a:srgbClr val="595E64"/>
                   </a:solidFill>
@@ -20202,9 +20654,9 @@
                 </a:rPr>
                 <a:t>内容小结</a:t>
               </a:r>
-              <a:endParaRPr lang="zh-CN" altLang="en-US" sz="2800" dirty="0">
-                <a:solidFill>
-                  <a:schemeClr val="tx1"/>
+              <a:endParaRPr lang="zh-CN" altLang="en-US" sz="2800" dirty="0" smtClean="0">
+                <a:solidFill>
+                  <a:srgbClr val="595E64"/>
                 </a:solidFill>
                 <a:latin typeface="微软雅黑" panose="020B0503020204020204" pitchFamily="34" charset="-122"/>
                 <a:ea typeface="微软雅黑" panose="020B0503020204020204" pitchFamily="34" charset="-122"/>
@@ -20370,7 +20822,7 @@
             </a:bodyPr>
             <a:p>
               <a:r>
-                <a:rPr lang="en-US" altLang="zh-CN" sz="2800" dirty="0" smtClean="0">
+                <a:rPr lang="zh-CN" altLang="en-US" sz="2800" dirty="0" smtClean="0">
                   <a:solidFill>
                     <a:srgbClr val="595E64"/>
                   </a:solidFill>
@@ -20381,7 +20833,7 @@
               </a:r>
               <a:endParaRPr lang="zh-CN" altLang="en-US" sz="2800" dirty="0" smtClean="0">
                 <a:solidFill>
-                  <a:schemeClr val="tx1"/>
+                  <a:srgbClr val="595E64"/>
                 </a:solidFill>
                 <a:latin typeface="微软雅黑" panose="020B0503020204020204" pitchFamily="34" charset="-122"/>
                 <a:ea typeface="微软雅黑" panose="020B0503020204020204" pitchFamily="34" charset="-122"/>
@@ -21106,6 +21558,59 @@
                                         <p:cTn id="7" dur="500"/>
                                         <p:tgtEl>
                                           <p:spTgt spid="6"/>
+                                        </p:tgtEl>
+                                      </p:cBhvr>
+                                    </p:animEffect>
+                                  </p:childTnLst>
+                                </p:cTn>
+                              </p:par>
+                            </p:childTnLst>
+                          </p:cTn>
+                        </p:par>
+                      </p:childTnLst>
+                    </p:cTn>
+                  </p:par>
+                  <p:par>
+                    <p:cTn id="8" fill="hold">
+                      <p:stCondLst>
+                        <p:cond delay="indefinite"/>
+                      </p:stCondLst>
+                      <p:childTnLst>
+                        <p:par>
+                          <p:cTn id="9" fill="hold">
+                            <p:stCondLst>
+                              <p:cond delay="0"/>
+                            </p:stCondLst>
+                            <p:childTnLst>
+                              <p:par>
+                                <p:cTn id="10" presetID="10" presetClass="entr" presetSubtype="0" fill="hold" nodeType="clickEffect">
+                                  <p:stCondLst>
+                                    <p:cond delay="0"/>
+                                  </p:stCondLst>
+                                  <p:childTnLst>
+                                    <p:set>
+                                      <p:cBhvr>
+                                        <p:cTn id="11" dur="1" fill="hold">
+                                          <p:stCondLst>
+                                            <p:cond delay="0"/>
+                                          </p:stCondLst>
+                                        </p:cTn>
+                                        <p:tgtEl>
+                                          <p:spTgt spid="4"/>
+                                        </p:tgtEl>
+                                        <p:attrNameLst>
+                                          <p:attrName>style.visibility</p:attrName>
+                                        </p:attrNameLst>
+                                      </p:cBhvr>
+                                      <p:to>
+                                        <p:strVal val="visible"/>
+                                      </p:to>
+                                    </p:set>
+                                    <p:animEffect transition="in" filter="fade">
+                                      <p:cBhvr>
+                                        <p:cTn id="12" dur="500"/>
+                                        <p:tgtEl>
+                                          <p:spTgt spid="4"/>
                                         </p:tgtEl>
                                       </p:cBhvr>
                                     </p:animEffect>
@@ -21821,7 +22326,7 @@
             <a:r>
               <a:rPr lang="en-US" altLang="zh-CN" sz="2200" dirty="0" smtClean="0">
                 <a:solidFill>
-                  <a:srgbClr val="FF0000"/>
+                  <a:schemeClr val="tx1"/>
                 </a:solidFill>
                 <a:sym typeface="+mn-ea"/>
               </a:rPr>
@@ -21830,19 +22335,16 @@
             <a:r>
               <a:rPr lang="zh-CN" altLang="en-US" sz="2200" dirty="0" smtClean="0">
                 <a:solidFill>
-                  <a:srgbClr val="C00000"/>
-                </a:solidFill>
-                <a:sym typeface="+mn-ea"/>
-              </a:rPr>
-              <a:t>：</a:t>
-            </a:r>
-            <a:r>
-              <a:rPr lang="zh-CN" altLang="en-US" sz="2200" dirty="0" smtClean="0">
-                <a:sym typeface="+mn-ea"/>
-              </a:rPr>
-              <a:t>规定文本区内可见行数。</a:t>
+                  <a:schemeClr val="tx1"/>
+                </a:solidFill>
+                <a:sym typeface="+mn-ea"/>
+              </a:rPr>
+              <a:t>：规定文本区内可见行数。</a:t>
             </a:r>
             <a:endParaRPr lang="zh-CN" altLang="en-US" sz="2200" dirty="0" smtClean="0">
+              <a:solidFill>
+                <a:schemeClr val="tx1"/>
+              </a:solidFill>
               <a:sym typeface="+mn-ea"/>
             </a:endParaRPr>
           </a:p>
@@ -21851,16 +22353,16 @@
             <a:r>
               <a:rPr lang="en-US" altLang="zh-CN" dirty="0" smtClean="0">
                 <a:solidFill>
-                  <a:srgbClr val="FF0000"/>
-                </a:solidFill>
-                <a:sym typeface="+mn-ea"/>
-              </a:rPr>
-              <a:t>cols </a:t>
+                  <a:schemeClr val="tx1"/>
+                </a:solidFill>
+                <a:sym typeface="+mn-ea"/>
+              </a:rPr>
+              <a:t>cols</a:t>
             </a:r>
             <a:r>
               <a:rPr lang="zh-CN" altLang="en-US" dirty="0" smtClean="0">
                 <a:solidFill>
-                  <a:srgbClr val="C00000"/>
+                  <a:schemeClr val="tx1"/>
                 </a:solidFill>
                 <a:sym typeface="+mn-ea"/>
               </a:rPr>
@@ -22383,6 +22885,108 @@
         <p:nvPr/>
       </p:nvGrpSpPr>
       <p:grpSpPr/>
+      <p:sp>
+        <p:nvSpPr>
+          <p:cNvPr id="2" name="标题 1"/>
+          <p:cNvSpPr>
+            <a:spLocks noGrp="1"/>
+          </p:cNvSpPr>
+          <p:nvPr>
+            <p:ph type="title"/>
+          </p:nvPr>
+        </p:nvSpPr>
+        <p:spPr/>
+        <p:txBody>
+          <a:bodyPr/>
+          <a:p>
+            <a:r>
+              <a:rPr lang="zh-CN" altLang="en-US"/>
+              <a:t>表单控件</a:t>
+            </a:r>
+            <a:r>
+              <a:rPr lang="en-US" altLang="zh-CN"/>
+              <a:t>&lt;select&gt;</a:t>
+            </a:r>
+            <a:r>
+              <a:rPr lang="zh-CN" altLang="en-US"/>
+              <a:t>标签</a:t>
+            </a:r>
+            <a:endParaRPr lang="zh-CN" altLang="en-US"/>
+          </a:p>
+        </p:txBody>
+      </p:sp>
+      <p:sp>
+        <p:nvSpPr>
+          <p:cNvPr id="3" name="内容占位符 2"/>
+          <p:cNvSpPr>
+            <a:spLocks noGrp="1"/>
+          </p:cNvSpPr>
+          <p:nvPr>
+            <p:ph sz="half" idx="1"/>
+          </p:nvPr>
+        </p:nvSpPr>
+        <p:spPr/>
+        <p:txBody>
+          <a:bodyPr/>
+          <a:p>
+            <a:r>
+              <a:rPr lang="zh-CN" altLang="en-US">
+                <a:solidFill>
+                  <a:srgbClr val="FF0000"/>
+                </a:solidFill>
+              </a:rPr>
+              <a:t>下拉列表</a:t>
+            </a:r>
+            <a:endParaRPr lang="zh-CN" altLang="en-US">
+              <a:solidFill>
+                <a:srgbClr val="FF0000"/>
+              </a:solidFill>
+            </a:endParaRPr>
+          </a:p>
+          <a:p>
+            <a:pPr lvl="1"/>
+            <a:r>
+              <a:rPr lang="zh-CN" altLang="en-US" dirty="0"/>
+              <a:t>标签：</a:t>
+            </a:r>
+            <a:r>
+              <a:rPr lang="en-US" altLang="zh-CN" dirty="0"/>
+              <a:t>&lt;select&gt;</a:t>
+            </a:r>
+            <a:r>
+              <a:rPr lang="en-US" altLang="zh-CN" dirty="0">
+                <a:sym typeface="+mn-ea"/>
+              </a:rPr>
+              <a:t>&lt;/select&gt;</a:t>
+            </a:r>
+            <a:endParaRPr lang="en-US" altLang="zh-CN" dirty="0">
+              <a:sym typeface="+mn-ea"/>
+            </a:endParaRPr>
+          </a:p>
+          <a:p>
+            <a:pPr lvl="1"/>
+            <a:r>
+              <a:rPr lang="zh-CN" altLang="en-US" dirty="0" smtClean="0">
+                <a:solidFill>
+                  <a:srgbClr val="C00000"/>
+                </a:solidFill>
+                <a:sym typeface="+mn-ea"/>
+              </a:rPr>
+              <a:t>列表项：</a:t>
+            </a:r>
+            <a:r>
+              <a:rPr lang="en-US" altLang="zh-CN" dirty="0" smtClean="0">
+                <a:solidFill>
+                  <a:srgbClr val="C00000"/>
+                </a:solidFill>
+                <a:sym typeface="+mn-ea"/>
+              </a:rPr>
+              <a:t>&lt;option&gt;&lt;/option&gt;</a:t>
+            </a:r>
+            <a:endParaRPr lang="zh-CN" altLang="en-US"/>
+          </a:p>
+        </p:txBody>
+      </p:sp>
       <p:pic>
         <p:nvPicPr>
           <p:cNvPr id="4" name="Picture 2"/>
@@ -22424,130 +23028,6 @@
           </a:effectLst>
         </p:spPr>
       </p:pic>
-      <p:sp>
-        <p:nvSpPr>
-          <p:cNvPr id="2" name="标题 1"/>
-          <p:cNvSpPr>
-            <a:spLocks noGrp="1"/>
-          </p:cNvSpPr>
-          <p:nvPr>
-            <p:ph type="title"/>
-          </p:nvPr>
-        </p:nvSpPr>
-        <p:spPr/>
-        <p:txBody>
-          <a:bodyPr/>
-          <a:p>
-            <a:r>
-              <a:rPr lang="zh-CN" altLang="en-US"/>
-              <a:t>表单控件</a:t>
-            </a:r>
-            <a:r>
-              <a:rPr lang="en-US" altLang="zh-CN"/>
-              <a:t>&lt;select&gt;</a:t>
-            </a:r>
-            <a:r>
-              <a:rPr lang="zh-CN" altLang="en-US"/>
-              <a:t>标签</a:t>
-            </a:r>
-            <a:endParaRPr lang="zh-CN" altLang="en-US"/>
-          </a:p>
-        </p:txBody>
-      </p:sp>
-      <p:sp>
-        <p:nvSpPr>
-          <p:cNvPr id="3" name="内容占位符 2"/>
-          <p:cNvSpPr>
-            <a:spLocks noGrp="1"/>
-          </p:cNvSpPr>
-          <p:nvPr>
-            <p:ph sz="half" idx="1"/>
-          </p:nvPr>
-        </p:nvSpPr>
-        <p:spPr/>
-        <p:txBody>
-          <a:bodyPr/>
-          <a:p>
-            <a:r>
-              <a:rPr lang="zh-CN" altLang="en-US">
-                <a:solidFill>
-                  <a:srgbClr val="FF0000"/>
-                </a:solidFill>
-              </a:rPr>
-              <a:t>下拉列表</a:t>
-            </a:r>
-            <a:endParaRPr lang="zh-CN" altLang="en-US">
-              <a:solidFill>
-                <a:srgbClr val="FF0000"/>
-              </a:solidFill>
-            </a:endParaRPr>
-          </a:p>
-          <a:p>
-            <a:pPr lvl="1"/>
-            <a:r>
-              <a:rPr lang="zh-CN" altLang="en-US" dirty="0"/>
-              <a:t>标签：</a:t>
-            </a:r>
-            <a:r>
-              <a:rPr lang="en-US" altLang="zh-CN" dirty="0"/>
-              <a:t>&lt;select&gt;</a:t>
-            </a:r>
-            <a:r>
-              <a:rPr lang="en-US" altLang="zh-CN" dirty="0">
-                <a:sym typeface="+mn-ea"/>
-              </a:rPr>
-              <a:t>&lt;/select&gt;</a:t>
-            </a:r>
-            <a:endParaRPr lang="en-US" altLang="zh-CN" dirty="0">
-              <a:sym typeface="+mn-ea"/>
-            </a:endParaRPr>
-          </a:p>
-          <a:p>
-            <a:pPr lvl="1"/>
-            <a:r>
-              <a:rPr lang="zh-CN" altLang="en-US" dirty="0" smtClean="0">
-                <a:solidFill>
-                  <a:srgbClr val="C00000"/>
-                </a:solidFill>
-                <a:sym typeface="+mn-ea"/>
-              </a:rPr>
-              <a:t>列表项：</a:t>
-            </a:r>
-            <a:r>
-              <a:rPr lang="en-US" altLang="zh-CN" dirty="0" smtClean="0">
-                <a:solidFill>
-                  <a:srgbClr val="C00000"/>
-                </a:solidFill>
-                <a:sym typeface="+mn-ea"/>
-              </a:rPr>
-              <a:t>&lt;option&gt;&lt;/option&gt;</a:t>
-            </a:r>
-            <a:endParaRPr lang="en-US" altLang="zh-CN" dirty="0" smtClean="0">
-              <a:solidFill>
-                <a:srgbClr val="C00000"/>
-              </a:solidFill>
-              <a:sym typeface="+mn-ea"/>
-            </a:endParaRPr>
-          </a:p>
-          <a:p>
-            <a:pPr marL="979170" lvl="2" indent="0">
-              <a:buNone/>
-            </a:pPr>
-            <a:endParaRPr lang="zh-CN" altLang="en-US" sz="2400" dirty="0">
-              <a:latin typeface="微软雅黑" panose="020B0503020204020204" pitchFamily="34" charset="-122"/>
-              <a:ea typeface="微软雅黑" panose="020B0503020204020204" pitchFamily="34" charset="-122"/>
-            </a:endParaRPr>
-          </a:p>
-          <a:p>
-            <a:pPr lvl="1"/>
-            <a:endParaRPr lang="en-US" altLang="zh-CN" dirty="0"/>
-          </a:p>
-          <a:p>
-            <a:pPr lvl="1"/>
-            <a:endParaRPr lang="zh-CN" altLang="en-US"/>
-          </a:p>
-        </p:txBody>
-      </p:sp>
       <p:sp>
         <p:nvSpPr>
           <p:cNvPr id="7" name="Rectangle 1"/>
@@ -23755,7 +24235,7 @@
                           <a:ea typeface="微软雅黑" panose="020B0503020204020204" pitchFamily="34" charset="-122"/>
                           <a:cs typeface="+mn-cs"/>
                         </a:rPr>
-                        <a:t>cols </a:t>
+                        <a:t>cols</a:t>
                       </a:r>
                       <a:r>
                         <a:rPr lang="zh-CN" altLang="en-US" sz="2400" dirty="0" smtClean="0">
@@ -23955,7 +24435,7 @@
                           <a:latin typeface="微软雅黑" panose="020B0503020204020204" pitchFamily="34" charset="-122"/>
                           <a:ea typeface="微软雅黑" panose="020B0503020204020204" pitchFamily="34" charset="-122"/>
                         </a:rPr>
-                        <a:t>2. option</a:t>
+                        <a:t>2. option </a:t>
                       </a:r>
                       <a:r>
                         <a:rPr lang="zh-CN" altLang="en-US" sz="2400" kern="1200" dirty="0" smtClean="0">
@@ -24576,7 +25056,7 @@
             </a:bodyPr>
             <a:p>
               <a:r>
-                <a:rPr lang="en-US" altLang="zh-CN" sz="2800" dirty="0" smtClean="0">
+                <a:rPr lang="zh-CN" altLang="en-US" sz="2800" dirty="0" smtClean="0">
                   <a:solidFill>
                     <a:srgbClr val="595E64"/>
                   </a:solidFill>
@@ -24617,7 +25097,7 @@
             </a:bodyPr>
             <a:p>
               <a:r>
-                <a:rPr lang="en-US" altLang="zh-CN" sz="2800" dirty="0" smtClean="0">
+                <a:rPr lang="zh-CN" altLang="en-US" sz="2800" dirty="0" smtClean="0">
                   <a:solidFill>
                     <a:srgbClr val="595E64"/>
                   </a:solidFill>
@@ -24703,58 +25183,34 @@
               <a:rPr lang="zh-CN" altLang="en-US" smtClean="0">
                 <a:sym typeface="+mn-ea"/>
               </a:rPr>
-              <a:t>表格</a:t>
+              <a:t>表格的相关 </a:t>
+            </a:r>
+            <a:r>
+              <a:rPr smtClean="0">
+                <a:sym typeface="+mn-ea"/>
+              </a:rPr>
+              <a:t>HTML </a:t>
             </a:r>
             <a:r>
               <a:rPr lang="zh-CN" altLang="en-US" smtClean="0">
                 <a:sym typeface="+mn-ea"/>
               </a:rPr>
-              <a:t>相关</a:t>
-            </a:r>
+              <a:t>标签及属性</a:t>
+            </a:r>
+            <a:endParaRPr lang="en-US" altLang="zh-CN" dirty="0" smtClean="0"/>
+          </a:p>
+          <a:p>
             <a:r>
               <a:rPr lang="zh-CN" altLang="en-US" smtClean="0">
                 <a:sym typeface="+mn-ea"/>
               </a:rPr>
-              <a:t>的</a:t>
+              <a:t>表单的相关 </a:t>
             </a:r>
             <a:r>
               <a:rPr smtClean="0">
                 <a:sym typeface="+mn-ea"/>
               </a:rPr>
-              <a:t>HTML</a:t>
-            </a:r>
-            <a:r>
-              <a:rPr lang="zh-CN" altLang="en-US" smtClean="0">
-                <a:sym typeface="+mn-ea"/>
-              </a:rPr>
-              <a:t>标签及属性</a:t>
-            </a:r>
-            <a:endParaRPr lang="en-US" altLang="zh-CN" dirty="0" smtClean="0"/>
-          </a:p>
-          <a:p>
-            <a:r>
-              <a:rPr lang="zh-CN" altLang="en-US" smtClean="0">
-                <a:sym typeface="+mn-ea"/>
-              </a:rPr>
-              <a:t>表单</a:t>
-            </a:r>
-            <a:r>
-              <a:rPr lang="zh-CN" altLang="en-US" smtClean="0">
-                <a:sym typeface="+mn-ea"/>
-              </a:rPr>
-              <a:t>相关</a:t>
-            </a:r>
-            <a:r>
-              <a:rPr lang="zh-CN" altLang="en-US" smtClean="0">
-                <a:sym typeface="+mn-ea"/>
-              </a:rPr>
-              <a:t>的</a:t>
-            </a:r>
-            <a:r>
-              <a:rPr smtClean="0">
-                <a:sym typeface="+mn-ea"/>
-              </a:rPr>
-              <a:t>HTML</a:t>
+              <a:t>HTML </a:t>
             </a:r>
             <a:r>
               <a:rPr lang="zh-CN" altLang="en-US" smtClean="0">
@@ -26268,7 +26724,7 @@
               <a:rPr>
                 <a:sym typeface="+mn-ea"/>
               </a:rPr>
-              <a:t>点击label 元素内文本，就会触发此控件。</a:t>
+              <a:t>点击 label 元素内文本，就会触发此控件。</a:t>
             </a:r>
             <a:r>
               <a:rPr lang="zh-CN">
@@ -26493,75 +26949,7 @@
   <p:timing>
     <p:tnLst>
       <p:par>
-        <p:cTn id="1" dur="indefinite" restart="never" nodeType="tmRoot">
-          <p:childTnLst>
-            <p:seq concurrent="1" nextAc="seek">
-              <p:cTn id="2" dur="indefinite" nodeType="mainSeq">
-                <p:childTnLst>
-                  <p:par>
-                    <p:cTn id="3" fill="hold">
-                      <p:stCondLst>
-                        <p:cond delay="indefinite"/>
-                      </p:stCondLst>
-                      <p:childTnLst>
-                        <p:par>
-                          <p:cTn id="4" fill="hold">
-                            <p:stCondLst>
-                              <p:cond delay="0"/>
-                            </p:stCondLst>
-                            <p:childTnLst>
-                              <p:par>
-                                <p:cTn id="5" presetID="1" presetClass="entr" presetSubtype="0" fill="hold" nodeType="clickEffect">
-                                  <p:stCondLst>
-                                    <p:cond delay="0"/>
-                                  </p:stCondLst>
-                                  <p:childTnLst>
-                                    <p:set>
-                                      <p:cBhvr>
-                                        <p:cTn id="6" dur="1" fill="hold">
-                                          <p:stCondLst>
-                                            <p:cond delay="0"/>
-                                          </p:stCondLst>
-                                        </p:cTn>
-                                        <p:tgtEl>
-                                          <p:spTgt spid="1026"/>
-                                        </p:tgtEl>
-                                        <p:attrNameLst>
-                                          <p:attrName>style.visibility</p:attrName>
-                                        </p:attrNameLst>
-                                      </p:cBhvr>
-                                      <p:to>
-                                        <p:strVal val="visible"/>
-                                      </p:to>
-                                    </p:set>
-                                  </p:childTnLst>
-                                </p:cTn>
-                              </p:par>
-                            </p:childTnLst>
-                          </p:cTn>
-                        </p:par>
-                      </p:childTnLst>
-                    </p:cTn>
-                  </p:par>
-                </p:childTnLst>
-              </p:cTn>
-              <p:prevCondLst>
-                <p:cond evt="onPrev" delay="0">
-                  <p:tgtEl>
-                    <p:sldTgt/>
-                  </p:tgtEl>
-                </p:cond>
-              </p:prevCondLst>
-              <p:nextCondLst>
-                <p:cond evt="onNext" delay="0">
-                  <p:tgtEl>
-                    <p:sldTgt/>
-                  </p:tgtEl>
-                </p:cond>
-              </p:nextCondLst>
-            </p:seq>
-          </p:childTnLst>
-        </p:cTn>
+        <p:cTn id="1" dur="indefinite" restart="never" nodeType="tmRoot"/>
       </p:par>
     </p:tnLst>
   </p:timing>
@@ -27163,25 +27551,25 @@
               <a:rPr lang="zh-CN" altLang="en-US" smtClean="0">
                 <a:sym typeface="+mn-ea"/>
               </a:rPr>
-              <a:t>中的</a:t>
+              <a:t>中的 </a:t>
             </a:r>
             <a:r>
               <a:rPr smtClean="0">
                 <a:sym typeface="+mn-ea"/>
               </a:rPr>
-              <a:t>id</a:t>
+              <a:t>id </a:t>
             </a:r>
             <a:r>
               <a:rPr lang="zh-CN" altLang="en-US" smtClean="0">
                 <a:sym typeface="+mn-ea"/>
               </a:rPr>
-              <a:t>属性和</a:t>
+              <a:t>属性和 </a:t>
             </a:r>
             <a:r>
               <a:rPr smtClean="0">
                 <a:sym typeface="+mn-ea"/>
               </a:rPr>
-              <a:t>name</a:t>
+              <a:t>name </a:t>
             </a:r>
             <a:r>
               <a:rPr lang="zh-CN" altLang="en-US" smtClean="0">
@@ -27217,7 +27605,7 @@
               <a:rPr dirty="0" err="1" smtClean="0">
                 <a:sym typeface="+mn-ea"/>
               </a:rPr>
-              <a:t>usemap</a:t>
+              <a:t>usemap </a:t>
             </a:r>
             <a:r>
               <a:rPr lang="zh-CN" altLang="en-US" smtClean="0">
@@ -27554,108 +27942,6 @@
           </a:p>
         </p:txBody>
       </p:sp>
-      <p:sp>
-        <p:nvSpPr>
-          <p:cNvPr id="227" name=" 227"/>
-          <p:cNvSpPr/>
-          <p:nvPr/>
-        </p:nvSpPr>
-        <p:spPr>
-          <a:xfrm>
-            <a:off x="5992495" y="2677160"/>
-            <a:ext cx="3443605" cy="838835"/>
-          </a:xfrm>
-          <a:prstGeom prst="wedgeEllipseCallout">
-            <a:avLst>
-              <a:gd name="adj1" fmla="val -25046"/>
-              <a:gd name="adj2" fmla="val 65698"/>
-            </a:avLst>
-          </a:prstGeom>
-          <a:solidFill>
-            <a:srgbClr val="FFC000"/>
-          </a:solidFill>
-          <a:ln>
-            <a:noFill/>
-          </a:ln>
-        </p:spPr>
-        <p:style>
-          <a:lnRef idx="2">
-            <a:schemeClr val="accent1">
-              <a:shade val="50000"/>
-            </a:schemeClr>
-          </a:lnRef>
-          <a:fillRef idx="1">
-            <a:schemeClr val="accent1"/>
-          </a:fillRef>
-          <a:effectRef idx="0">
-            <a:schemeClr val="accent1"/>
-          </a:effectRef>
-          <a:fontRef idx="minor">
-            <a:schemeClr val="lt1"/>
-          </a:fontRef>
-        </p:style>
-        <p:txBody>
-          <a:bodyPr anchor="ctr"/>
-          <a:p>
-            <a:pPr algn="ctr" eaLnBrk="1" fontAlgn="auto" hangingPunct="1">
-              <a:spcBef>
-                <a:spcPts val="0"/>
-              </a:spcBef>
-              <a:spcAft>
-                <a:spcPts val="0"/>
-              </a:spcAft>
-              <a:defRPr/>
-            </a:pPr>
-            <a:r>
-              <a:rPr lang="zh-CN" altLang="en-US" sz="2400" b="1" dirty="0">
-                <a:solidFill>
-                  <a:schemeClr val="tx1"/>
-                </a:solidFill>
-                <a:latin typeface="微软雅黑" panose="020B0503020204020204" pitchFamily="34" charset="-122"/>
-                <a:ea typeface="微软雅黑" panose="020B0503020204020204" pitchFamily="34" charset="-122"/>
-              </a:rPr>
-              <a:t>不要忘记</a:t>
-            </a:r>
-            <a:r>
-              <a:rPr lang="en-US" altLang="zh-CN" sz="2400" b="1" dirty="0">
-                <a:solidFill>
-                  <a:schemeClr val="tx1"/>
-                </a:solidFill>
-                <a:latin typeface="微软雅黑" panose="020B0503020204020204" pitchFamily="34" charset="-122"/>
-                <a:ea typeface="微软雅黑" panose="020B0503020204020204" pitchFamily="34" charset="-122"/>
-              </a:rPr>
-              <a:t>”</a:t>
-            </a:r>
-            <a:r>
-              <a:rPr lang="en-US" altLang="zh-CN" sz="4800" b="1" dirty="0">
-                <a:solidFill>
-                  <a:srgbClr val="C00000"/>
-                </a:solidFill>
-                <a:latin typeface="微软雅黑" panose="020B0503020204020204" pitchFamily="34" charset="-122"/>
-                <a:ea typeface="微软雅黑" panose="020B0503020204020204" pitchFamily="34" charset="-122"/>
-              </a:rPr>
-              <a:t>#</a:t>
-            </a:r>
-            <a:r>
-              <a:rPr lang="en-US" altLang="zh-CN" sz="2400" b="1" dirty="0">
-                <a:solidFill>
-                  <a:schemeClr val="tx1"/>
-                </a:solidFill>
-                <a:latin typeface="微软雅黑" panose="020B0503020204020204" pitchFamily="34" charset="-122"/>
-                <a:ea typeface="微软雅黑" panose="020B0503020204020204" pitchFamily="34" charset="-122"/>
-              </a:rPr>
-              <a:t>“</a:t>
-            </a:r>
-            <a:endParaRPr lang="en-US" altLang="zh-CN" sz="2400" b="1" dirty="0">
-              <a:solidFill>
-                <a:schemeClr val="tx1"/>
-              </a:solidFill>
-              <a:latin typeface="微软雅黑" panose="020B0503020204020204" pitchFamily="34" charset="-122"/>
-              <a:ea typeface="微软雅黑" panose="020B0503020204020204" pitchFamily="34" charset="-122"/>
-            </a:endParaRPr>
-          </a:p>
-        </p:txBody>
-      </p:sp>
     </p:spTree>
   </p:cSld>
   <p:clrMapOvr>
@@ -27672,332 +27958,9 @@
   <p:timing>
     <p:tnLst>
       <p:par>
-        <p:cTn id="1" dur="indefinite" restart="never" nodeType="tmRoot">
-          <p:childTnLst>
-            <p:seq concurrent="1" nextAc="seek">
-              <p:cTn id="2" dur="indefinite" nodeType="mainSeq">
-                <p:childTnLst>
-                  <p:par>
-                    <p:cTn id="3" fill="hold">
-                      <p:stCondLst>
-                        <p:cond delay="indefinite"/>
-                      </p:stCondLst>
-                      <p:childTnLst>
-                        <p:par>
-                          <p:cTn id="4" fill="hold">
-                            <p:stCondLst>
-                              <p:cond delay="0"/>
-                            </p:stCondLst>
-                            <p:childTnLst>
-                              <p:par>
-                                <p:cTn id="5" presetID="26" presetClass="entr" presetSubtype="0" fill="hold" grpId="2" nodeType="clickEffect">
-                                  <p:stCondLst>
-                                    <p:cond delay="0"/>
-                                  </p:stCondLst>
-                                  <p:childTnLst>
-                                    <p:set>
-                                      <p:cBhvr>
-                                        <p:cTn id="6" dur="1" fill="hold">
-                                          <p:stCondLst>
-                                            <p:cond delay="0"/>
-                                          </p:stCondLst>
-                                        </p:cTn>
-                                        <p:tgtEl>
-                                          <p:spTgt spid="227"/>
-                                        </p:tgtEl>
-                                        <p:attrNameLst>
-                                          <p:attrName>style.visibility</p:attrName>
-                                        </p:attrNameLst>
-                                      </p:cBhvr>
-                                      <p:to>
-                                        <p:strVal val="visible"/>
-                                      </p:to>
-                                    </p:set>
-                                    <p:animEffect transition="in" filter="wipe(down)">
-                                      <p:cBhvr>
-                                        <p:cTn id="7" dur="580">
-                                          <p:stCondLst>
-                                            <p:cond delay="0"/>
-                                          </p:stCondLst>
-                                        </p:cTn>
-                                        <p:tgtEl>
-                                          <p:spTgt spid="227"/>
-                                        </p:tgtEl>
-                                      </p:cBhvr>
-                                    </p:animEffect>
-                                    <p:anim calcmode="lin" valueType="num">
-                                      <p:cBhvr>
-                                        <p:cTn id="8" dur="1822" tmFilter="0,0; 0.14,0.36; 0.43,0.73; 0.71,0.91; 1.0,1.0">
-                                          <p:stCondLst>
-                                            <p:cond delay="0"/>
-                                          </p:stCondLst>
-                                        </p:cTn>
-                                        <p:tgtEl>
-                                          <p:spTgt spid="227"/>
-                                        </p:tgtEl>
-                                        <p:attrNameLst>
-                                          <p:attrName>ppt_x</p:attrName>
-                                        </p:attrNameLst>
-                                      </p:cBhvr>
-                                      <p:tavLst>
-                                        <p:tav tm="0">
-                                          <p:val>
-                                            <p:strVal val="#ppt_x-0.25"/>
-                                          </p:val>
-                                        </p:tav>
-                                        <p:tav tm="100000">
-                                          <p:val>
-                                            <p:strVal val="#ppt_x"/>
-                                          </p:val>
-                                        </p:tav>
-                                      </p:tavLst>
-                                    </p:anim>
-                                    <p:anim calcmode="lin" valueType="num">
-                                      <p:cBhvr>
-                                        <p:cTn id="9" dur="664" tmFilter="0.0,0.0; 0.25,0.07; 0.50,0.2; 0.75,0.467; 1.0,1.0">
-                                          <p:stCondLst>
-                                            <p:cond delay="0"/>
-                                          </p:stCondLst>
-                                        </p:cTn>
-                                        <p:tgtEl>
-                                          <p:spTgt spid="227"/>
-                                        </p:tgtEl>
-                                        <p:attrNameLst>
-                                          <p:attrName>ppt_y</p:attrName>
-                                        </p:attrNameLst>
-                                      </p:cBhvr>
-                                      <p:tavLst>
-                                        <p:tav tm="0" fmla="#ppt_y-sin(pi*$)/3">
-                                          <p:val>
-                                            <p:fltVal val="0.5"/>
-                                          </p:val>
-                                        </p:tav>
-                                        <p:tav tm="100000">
-                                          <p:val>
-                                            <p:fltVal val="1"/>
-                                          </p:val>
-                                        </p:tav>
-                                      </p:tavLst>
-                                    </p:anim>
-                                    <p:anim calcmode="lin" valueType="num">
-                                      <p:cBhvr>
-                                        <p:cTn id="10" dur="664" tmFilter="0, 0; 0.125,0.2665; 0.25,0.4; 0.375,0.465; 0.5,0.5;  0.625,0.535; 0.75,0.6; 0.875,0.7335; 1,1">
-                                          <p:stCondLst>
-                                            <p:cond delay="664"/>
-                                          </p:stCondLst>
-                                        </p:cTn>
-                                        <p:tgtEl>
-                                          <p:spTgt spid="227"/>
-                                        </p:tgtEl>
-                                        <p:attrNameLst>
-                                          <p:attrName>ppt_y</p:attrName>
-                                        </p:attrNameLst>
-                                      </p:cBhvr>
-                                      <p:tavLst>
-                                        <p:tav tm="0" fmla="#ppt_y-sin(pi*$)/9">
-                                          <p:val>
-                                            <p:fltVal val="0"/>
-                                          </p:val>
-                                        </p:tav>
-                                        <p:tav tm="100000">
-                                          <p:val>
-                                            <p:fltVal val="1"/>
-                                          </p:val>
-                                        </p:tav>
-                                      </p:tavLst>
-                                    </p:anim>
-                                    <p:anim calcmode="lin" valueType="num">
-                                      <p:cBhvr>
-                                        <p:cTn id="11" dur="332" tmFilter="0, 0; 0.125,0.2665; 0.25,0.4; 0.375,0.465; 0.5,0.5;  0.625,0.535; 0.75,0.6; 0.875,0.7335; 1,1">
-                                          <p:stCondLst>
-                                            <p:cond delay="1324"/>
-                                          </p:stCondLst>
-                                        </p:cTn>
-                                        <p:tgtEl>
-                                          <p:spTgt spid="227"/>
-                                        </p:tgtEl>
-                                        <p:attrNameLst>
-                                          <p:attrName>ppt_y</p:attrName>
-                                        </p:attrNameLst>
-                                      </p:cBhvr>
-                                      <p:tavLst>
-                                        <p:tav tm="0" fmla="#ppt_y-sin(pi*$)/27">
-                                          <p:val>
-                                            <p:fltVal val="0"/>
-                                          </p:val>
-                                        </p:tav>
-                                        <p:tav tm="100000">
-                                          <p:val>
-                                            <p:fltVal val="1"/>
-                                          </p:val>
-                                        </p:tav>
-                                      </p:tavLst>
-                                    </p:anim>
-                                    <p:anim calcmode="lin" valueType="num">
-                                      <p:cBhvr>
-                                        <p:cTn id="12" dur="164" tmFilter="0, 0; 0.125,0.2665; 0.25,0.4; 0.375,0.465; 0.5,0.5;  0.625,0.535; 0.75,0.6; 0.875,0.7335; 1,1">
-                                          <p:stCondLst>
-                                            <p:cond delay="1656"/>
-                                          </p:stCondLst>
-                                        </p:cTn>
-                                        <p:tgtEl>
-                                          <p:spTgt spid="227"/>
-                                        </p:tgtEl>
-                                        <p:attrNameLst>
-                                          <p:attrName>ppt_y</p:attrName>
-                                        </p:attrNameLst>
-                                      </p:cBhvr>
-                                      <p:tavLst>
-                                        <p:tav tm="0" fmla="#ppt_y-sin(pi*$)/81">
-                                          <p:val>
-                                            <p:fltVal val="0"/>
-                                          </p:val>
-                                        </p:tav>
-                                        <p:tav tm="100000">
-                                          <p:val>
-                                            <p:fltVal val="1"/>
-                                          </p:val>
-                                        </p:tav>
-                                      </p:tavLst>
-                                    </p:anim>
-                                    <p:animScale>
-                                      <p:cBhvr>
-                                        <p:cTn id="13" dur="26">
-                                          <p:stCondLst>
-                                            <p:cond delay="650"/>
-                                          </p:stCondLst>
-                                        </p:cTn>
-                                        <p:tgtEl>
-                                          <p:spTgt spid="227"/>
-                                        </p:tgtEl>
-                                      </p:cBhvr>
-                                      <p:to x="100000" y="60000"/>
-                                    </p:animScale>
-                                    <p:animScale>
-                                      <p:cBhvr>
-                                        <p:cTn id="14" dur="166" decel="50000">
-                                          <p:stCondLst>
-                                            <p:cond delay="676"/>
-                                          </p:stCondLst>
-                                        </p:cTn>
-                                        <p:tgtEl>
-                                          <p:spTgt spid="227"/>
-                                        </p:tgtEl>
-                                      </p:cBhvr>
-                                      <p:to x="100000" y="100000"/>
-                                    </p:animScale>
-                                    <p:animScale>
-                                      <p:cBhvr>
-                                        <p:cTn id="15" dur="26">
-                                          <p:stCondLst>
-                                            <p:cond delay="1312"/>
-                                          </p:stCondLst>
-                                        </p:cTn>
-                                        <p:tgtEl>
-                                          <p:spTgt spid="227"/>
-                                        </p:tgtEl>
-                                      </p:cBhvr>
-                                      <p:to x="100000" y="80000"/>
-                                    </p:animScale>
-                                    <p:animScale>
-                                      <p:cBhvr>
-                                        <p:cTn id="16" dur="166" decel="50000">
-                                          <p:stCondLst>
-                                            <p:cond delay="1338"/>
-                                          </p:stCondLst>
-                                        </p:cTn>
-                                        <p:tgtEl>
-                                          <p:spTgt spid="227"/>
-                                        </p:tgtEl>
-                                      </p:cBhvr>
-                                      <p:to x="100000" y="100000"/>
-                                    </p:animScale>
-                                    <p:animScale>
-                                      <p:cBhvr>
-                                        <p:cTn id="17" dur="26">
-                                          <p:stCondLst>
-                                            <p:cond delay="1642"/>
-                                          </p:stCondLst>
-                                        </p:cTn>
-                                        <p:tgtEl>
-                                          <p:spTgt spid="227"/>
-                                        </p:tgtEl>
-                                      </p:cBhvr>
-                                      <p:to x="100000" y="90000"/>
-                                    </p:animScale>
-                                    <p:animScale>
-                                      <p:cBhvr>
-                                        <p:cTn id="18" dur="166" decel="50000">
-                                          <p:stCondLst>
-                                            <p:cond delay="1668"/>
-                                          </p:stCondLst>
-                                        </p:cTn>
-                                        <p:tgtEl>
-                                          <p:spTgt spid="227"/>
-                                        </p:tgtEl>
-                                      </p:cBhvr>
-                                      <p:to x="100000" y="100000"/>
-                                    </p:animScale>
-                                    <p:animScale>
-                                      <p:cBhvr>
-                                        <p:cTn id="19" dur="26">
-                                          <p:stCondLst>
-                                            <p:cond delay="1808"/>
-                                          </p:stCondLst>
-                                        </p:cTn>
-                                        <p:tgtEl>
-                                          <p:spTgt spid="227"/>
-                                        </p:tgtEl>
-                                      </p:cBhvr>
-                                      <p:to x="100000" y="95000"/>
-                                    </p:animScale>
-                                    <p:animScale>
-                                      <p:cBhvr>
-                                        <p:cTn id="20" dur="166" decel="50000">
-                                          <p:stCondLst>
-                                            <p:cond delay="1834"/>
-                                          </p:stCondLst>
-                                        </p:cTn>
-                                        <p:tgtEl>
-                                          <p:spTgt spid="227"/>
-                                        </p:tgtEl>
-                                      </p:cBhvr>
-                                      <p:to x="100000" y="100000"/>
-                                    </p:animScale>
-                                  </p:childTnLst>
-                                </p:cTn>
-                              </p:par>
-                            </p:childTnLst>
-                          </p:cTn>
-                        </p:par>
-                      </p:childTnLst>
-                    </p:cTn>
-                  </p:par>
-                </p:childTnLst>
-              </p:cTn>
-              <p:prevCondLst>
-                <p:cond evt="onPrev" delay="0">
-                  <p:tgtEl>
-                    <p:sldTgt/>
-                  </p:tgtEl>
-                </p:cond>
-              </p:prevCondLst>
-              <p:nextCondLst>
-                <p:cond evt="onNext" delay="0">
-                  <p:tgtEl>
-                    <p:sldTgt/>
-                  </p:tgtEl>
-                </p:cond>
-              </p:nextCondLst>
-            </p:seq>
-          </p:childTnLst>
-        </p:cTn>
+        <p:cTn id="1" dur="indefinite" restart="never" nodeType="tmRoot"/>
       </p:par>
     </p:tnLst>
-    <p:bldLst>
-      <p:bldP spid="227" grpId="1" animBg="1"/>
-      <p:bldP spid="227" grpId="2" bldLvl="0" animBg="1"/>
-    </p:bldLst>
   </p:timing>
 </p:sld>
 </file>
@@ -28146,7 +28109,7 @@
               <a:rPr lang="zh-CN" altLang="en-US" smtClean="0">
                 <a:sym typeface="+mn-ea"/>
               </a:rPr>
-              <a:t>属性：替代文本</a:t>
+              <a:t>：替代文本</a:t>
             </a:r>
             <a:endParaRPr lang="zh-CN" altLang="en-US" smtClean="0">
               <a:sym typeface="+mn-ea"/>
@@ -28168,7 +28131,7 @@
               <a:rPr lang="zh-CN" altLang="en-US" smtClean="0">
                 <a:sym typeface="+mn-ea"/>
               </a:rPr>
-              <a:t>属性：该区域的链接地址</a:t>
+              <a:t>：该区域的链接地址</a:t>
             </a:r>
             <a:endParaRPr lang="zh-CN" altLang="en-US" smtClean="0">
               <a:sym typeface="+mn-ea"/>
@@ -28190,13 +28153,19 @@
               <a:rPr lang="zh-CN" altLang="en-US" smtClean="0">
                 <a:sym typeface="+mn-ea"/>
               </a:rPr>
-              <a:t>属性：该区域的形状（</a:t>
+              <a:t>：该区域的形状（</a:t>
             </a:r>
             <a:r>
               <a:rPr>
                 <a:sym typeface="+mn-ea"/>
               </a:rPr>
-              <a:t>rect </a:t>
+              <a:t>rect</a:t>
+            </a:r>
+            <a:r>
+              <a:rPr lang="zh-CN">
+                <a:sym typeface="+mn-ea"/>
+              </a:rPr>
+              <a:t>：</a:t>
             </a:r>
             <a:r>
               <a:rPr lang="zh-CN" altLang="en-US">
@@ -28208,7 +28177,13 @@
               <a:rPr>
                 <a:sym typeface="+mn-ea"/>
               </a:rPr>
-              <a:t>circle </a:t>
+              <a:t>circle</a:t>
+            </a:r>
+            <a:r>
+              <a:rPr lang="zh-CN">
+                <a:sym typeface="+mn-ea"/>
+              </a:rPr>
+              <a:t>：</a:t>
             </a:r>
             <a:r>
               <a:rPr lang="zh-CN" altLang="en-US">
@@ -28220,7 +28195,13 @@
               <a:rPr>
                 <a:sym typeface="+mn-ea"/>
               </a:rPr>
-              <a:t>poly </a:t>
+              <a:t>poly</a:t>
+            </a:r>
+            <a:r>
+              <a:rPr lang="zh-CN">
+                <a:sym typeface="+mn-ea"/>
+              </a:rPr>
+              <a:t>：</a:t>
             </a:r>
             <a:r>
               <a:rPr lang="zh-CN" altLang="en-US">
@@ -28248,7 +28229,7 @@
               <a:rPr lang="zh-CN" altLang="en-US" smtClean="0">
                 <a:sym typeface="+mn-ea"/>
               </a:rPr>
-              <a:t>属性：该区域在原始图片上的坐标值</a:t>
+              <a:t>：该区域在原始图片上的坐标值</a:t>
             </a:r>
             <a:endParaRPr lang="zh-CN" altLang="en-US" dirty="0"/>
           </a:p>
@@ -29114,19 +29095,19 @@
               <a:rPr lang="zh-CN" altLang="en-US" dirty="0" smtClean="0">
                 <a:sym typeface="+mn-ea"/>
               </a:rPr>
-              <a:t>设置是否显示框架的边框，值为</a:t>
+              <a:t>设置是否显示框架的边框，值为 </a:t>
             </a:r>
             <a:r>
               <a:rPr lang="en-US" altLang="zh-CN" dirty="0" smtClean="0">
                 <a:sym typeface="+mn-ea"/>
               </a:rPr>
-              <a:t>1</a:t>
+              <a:t>1 </a:t>
             </a:r>
             <a:r>
               <a:rPr lang="zh-CN" altLang="en-US" dirty="0" smtClean="0">
                 <a:sym typeface="+mn-ea"/>
               </a:rPr>
-              <a:t>或者</a:t>
+              <a:t>或者 </a:t>
             </a:r>
             <a:r>
               <a:rPr lang="en-US" altLang="zh-CN" dirty="0" smtClean="0">
@@ -29162,13 +29143,13 @@
               <a:rPr lang="zh-CN" altLang="en-US" dirty="0" smtClean="0">
                 <a:sym typeface="+mn-ea"/>
               </a:rPr>
-              <a:t>当</a:t>
+              <a:t>当 </a:t>
             </a:r>
             <a:r>
               <a:rPr lang="en-US" altLang="zh-CN" dirty="0" smtClean="0">
                 <a:sym typeface="+mn-ea"/>
               </a:rPr>
-              <a:t>src</a:t>
+              <a:t>src </a:t>
             </a:r>
             <a:r>
               <a:rPr lang="zh-CN" altLang="en-US" dirty="0" smtClean="0">
@@ -29327,7 +29308,7 @@
         <p:spPr>
           <a:xfrm>
             <a:off x="638810" y="1085850"/>
-            <a:ext cx="11106785" cy="6626225"/>
+            <a:ext cx="11293475" cy="6626225"/>
           </a:xfrm>
         </p:spPr>
         <p:txBody>
@@ -29337,49 +29318,37 @@
               <a:rPr lang="zh-CN" altLang="en-US">
                 <a:sym typeface="+mn-ea"/>
               </a:rPr>
-              <a:t>&lt;iframe  src="</a:t>
-            </a:r>
-            <a:r>
-              <a:rPr>
-                <a:sym typeface="+mn-ea"/>
-              </a:rPr>
-              <a:t>1.png</a:t>
+              <a:t>&lt;a href="https://www.jd.com/" </a:t>
             </a:r>
             <a:r>
               <a:rPr lang="zh-CN" altLang="en-US">
-                <a:sym typeface="+mn-ea"/>
-              </a:rPr>
-              <a:t>"  </a:t>
+                <a:solidFill>
+                  <a:srgbClr val="FF0000"/>
+                </a:solidFill>
+                <a:sym typeface="+mn-ea"/>
+              </a:rPr>
+              <a:t>target</a:t>
             </a:r>
             <a:r>
               <a:rPr lang="zh-CN" altLang="en-US">
-                <a:solidFill>
-                  <a:srgbClr val="FF0000"/>
-                </a:solidFill>
-                <a:sym typeface="+mn-ea"/>
-              </a:rPr>
-              <a:t>name</a:t>
+                <a:sym typeface="+mn-ea"/>
+              </a:rPr>
+              <a:t>="</a:t>
+            </a:r>
+            <a:r>
+              <a:rPr lang="zh-CN" altLang="en-US" b="1">
+                <a:solidFill>
+                  <a:schemeClr val="accent1"/>
+                </a:solidFill>
+                <a:sym typeface="+mn-ea"/>
+              </a:rPr>
+              <a:t>myIframe</a:t>
             </a:r>
             <a:r>
               <a:rPr lang="zh-CN" altLang="en-US">
                 <a:sym typeface="+mn-ea"/>
               </a:rPr>
-              <a:t>="</a:t>
-            </a:r>
-            <a:r>
-              <a:rPr lang="zh-CN" altLang="en-US" b="1">
-                <a:solidFill>
-                  <a:schemeClr val="accent1"/>
-                </a:solidFill>
-                <a:sym typeface="+mn-ea"/>
-              </a:rPr>
-              <a:t>myIframe</a:t>
-            </a:r>
-            <a:r>
-              <a:rPr lang="zh-CN" altLang="en-US">
-                <a:sym typeface="+mn-ea"/>
-              </a:rPr>
-              <a:t>"&gt;&lt;/iframe&gt;</a:t>
+              <a:t>"&gt;京东&lt;/a&gt;</a:t>
             </a:r>
             <a:endParaRPr lang="zh-CN" altLang="en-US">
               <a:sym typeface="+mn-ea"/>
@@ -29390,16 +29359,28 @@
               <a:rPr lang="zh-CN" altLang="en-US">
                 <a:sym typeface="+mn-ea"/>
               </a:rPr>
-              <a:t>&lt;a href="https://www.baidu.com/" </a:t>
+              <a:t>&lt;iframe  src="</a:t>
+            </a:r>
+            <a:r>
+              <a:rPr>
+                <a:sym typeface="+mn-ea"/>
+              </a:rPr>
+              <a:t>1.png</a:t>
             </a:r>
             <a:r>
               <a:rPr lang="zh-CN" altLang="en-US">
+                <a:sym typeface="+mn-ea"/>
+              </a:rPr>
+              <a:t>"  </a:t>
+            </a:r>
+            <a:r>
+              <a:rPr lang="zh-CN" altLang="en-US">
                 <a:solidFill>
                   <a:srgbClr val="FF0000"/>
                 </a:solidFill>
                 <a:sym typeface="+mn-ea"/>
               </a:rPr>
-              <a:t>target</a:t>
+              <a:t>name</a:t>
             </a:r>
             <a:r>
               <a:rPr lang="zh-CN" altLang="en-US">
@@ -29420,22 +29401,13 @@
               <a:rPr lang="zh-CN" altLang="en-US">
                 <a:sym typeface="+mn-ea"/>
               </a:rPr>
-              <a:t>"&gt;百度   </a:t>
+              <a:t>"&gt;&lt;/iframe&gt;</a:t>
             </a:r>
             <a:endParaRPr lang="zh-CN" altLang="en-US">
               <a:sym typeface="+mn-ea"/>
             </a:endParaRPr>
           </a:p>
           <a:p>
-            <a:pPr marL="0" indent="0">
-              <a:buNone/>
-            </a:pPr>
-            <a:r>
-              <a:rPr lang="zh-CN" altLang="en-US">
-                <a:sym typeface="+mn-ea"/>
-              </a:rPr>
-              <a:t>    &lt;/a&gt;</a:t>
-            </a:r>
             <a:endParaRPr lang="zh-CN" altLang="en-US">
               <a:sym typeface="+mn-ea"/>
             </a:endParaRPr>
@@ -29458,9 +29430,18 @@
           <a:p>
             <a:r>
               <a:rPr lang="zh-CN" altLang="en-US">
-                <a:sym typeface="+mn-ea"/>
-              </a:rPr>
-              <a:t>注意：超链接的 target 属性值为 iframe 的 name 属性值</a:t>
+                <a:solidFill>
+                  <a:srgbClr val="FF0000"/>
+                </a:solidFill>
+                <a:sym typeface="+mn-ea"/>
+              </a:rPr>
+              <a:t>注意</a:t>
+            </a:r>
+            <a:r>
+              <a:rPr lang="zh-CN" altLang="en-US">
+                <a:sym typeface="+mn-ea"/>
+              </a:rPr>
+              <a:t>：超链接的 target 属性值为 iframe 的 name 属性值</a:t>
             </a:r>
             <a:endParaRPr lang="zh-CN" altLang="en-US">
               <a:sym typeface="+mn-ea"/>
@@ -29757,6 +29738,67 @@
                                         </p:tav>
                                       </p:tavLst>
                                     </p:anim>
+                                  </p:childTnLst>
+                                </p:cTn>
+                              </p:par>
+                            </p:childTnLst>
+                          </p:cTn>
+                        </p:par>
+                      </p:childTnLst>
+                    </p:cTn>
+                  </p:par>
+                  <p:par>
+                    <p:cTn id="17" fill="hold">
+                      <p:stCondLst>
+                        <p:cond delay="indefinite"/>
+                      </p:stCondLst>
+                      <p:childTnLst>
+                        <p:par>
+                          <p:cTn id="18" fill="hold">
+                            <p:stCondLst>
+                              <p:cond delay="0"/>
+                            </p:stCondLst>
+                            <p:childTnLst>
+                              <p:par>
+                                <p:cTn id="19" presetID="22" presetClass="entr" presetSubtype="8" fill="hold" nodeType="clickEffect">
+                                  <p:stCondLst>
+                                    <p:cond delay="0"/>
+                                  </p:stCondLst>
+                                  <p:childTnLst>
+                                    <p:set>
+                                      <p:cBhvr>
+                                        <p:cTn id="20" dur="1" fill="hold">
+                                          <p:stCondLst>
+                                            <p:cond delay="0"/>
+                                          </p:stCondLst>
+                                        </p:cTn>
+                                        <p:tgtEl>
+                                          <p:spTgt spid="3">
+                                            <p:txEl>
+                                              <p:pRg st="6" end="6"/>
+                                            </p:txEl>
+                                          </p:spTgt>
+                                        </p:tgtEl>
+                                        <p:attrNameLst>
+                                          <p:attrName>style.visibility</p:attrName>
+                                        </p:attrNameLst>
+                                      </p:cBhvr>
+                                      <p:to>
+                                        <p:strVal val="visible"/>
+                                      </p:to>
+                                    </p:set>
+                                    <p:animEffect transition="in" filter="wipe(left)">
+                                      <p:cBhvr>
+                                        <p:cTn id="21" dur="500"/>
+                                        <p:tgtEl>
+                                          <p:spTgt spid="3">
+                                            <p:txEl>
+                                              <p:pRg st="6" end="6"/>
+                                            </p:txEl>
+                                          </p:spTgt>
+                                        </p:tgtEl>
+                                      </p:cBhvr>
+                                    </p:animEffect>
                                   </p:childTnLst>
                                 </p:cTn>
                               </p:par>
@@ -31552,7 +31594,7 @@
         <p:spPr bwMode="auto">
           <a:xfrm>
             <a:off x="4861560" y="4050665"/>
-            <a:ext cx="2712085" cy="360680"/>
+            <a:ext cx="2483485" cy="360680"/>
           </a:xfrm>
           <a:prstGeom prst="rect">
             <a:avLst/>
@@ -31587,7 +31629,7 @@
         <p:spPr bwMode="auto">
           <a:xfrm>
             <a:off x="4861560" y="4447540"/>
-            <a:ext cx="2712085" cy="319405"/>
+            <a:ext cx="2483485" cy="319405"/>
           </a:xfrm>
           <a:prstGeom prst="rect">
             <a:avLst/>
@@ -31622,7 +31664,7 @@
         <p:spPr bwMode="auto">
           <a:xfrm>
             <a:off x="4861560" y="4800600"/>
-            <a:ext cx="2712085" cy="360680"/>
+            <a:ext cx="2483485" cy="360680"/>
           </a:xfrm>
           <a:prstGeom prst="rect">
             <a:avLst/>
@@ -31642,6 +31684,41 @@
           <a:p>
             <a:endParaRPr lang="zh-CN" altLang="en-US">
               <a:ea typeface="宋体" panose="02010600030101010101" pitchFamily="2" charset="-122"/>
+            </a:endParaRPr>
+          </a:p>
+        </p:txBody>
+      </p:sp>
+      <p:sp>
+        <p:nvSpPr>
+          <p:cNvPr id="3" name="文本框 10"/>
+          <p:cNvSpPr txBox="1"/>
+          <p:nvPr/>
+        </p:nvSpPr>
+        <p:spPr>
+          <a:xfrm>
+            <a:off x="9360848" y="5830252"/>
+            <a:ext cx="2468245" cy="508000"/>
+          </a:xfrm>
+          <a:prstGeom prst="rect">
+            <a:avLst/>
+          </a:prstGeom>
+          <a:noFill/>
+        </p:spPr>
+        <p:txBody>
+          <a:bodyPr wrap="none" lIns="108850" tIns="54425" rIns="108850" bIns="54425" rtlCol="0">
+            <a:spAutoFit/>
+          </a:bodyPr>
+          <a:p>
+            <a:r>
+              <a:rPr lang="en-US" altLang="zh-CN" sz="2600" dirty="0" smtClean="0">
+                <a:latin typeface="微软雅黑" panose="020B0503020204020204" pitchFamily="34" charset="-122"/>
+                <a:ea typeface="微软雅黑" panose="020B0503020204020204" pitchFamily="34" charset="-122"/>
+              </a:rPr>
+              <a:t>demo3-1.html</a:t>
+            </a:r>
+            <a:endParaRPr lang="zh-CN" altLang="en-US" sz="2600" dirty="0">
+              <a:latin typeface="微软雅黑" panose="020B0503020204020204" pitchFamily="34" charset="-122"/>
+              <a:ea typeface="微软雅黑" panose="020B0503020204020204" pitchFamily="34" charset="-122"/>
             </a:endParaRPr>
           </a:p>
         </p:txBody>
@@ -32638,13 +32715,18 @@
           <a:bodyPr/>
           <a:p>
             <a:r>
-              <a:rPr lang="zh-CN" altLang="en-US">
+              <a:rPr>
                 <a:solidFill>
                   <a:srgbClr val="FF0000"/>
                 </a:solidFill>
               </a:rPr>
               <a:t>&lt;table&gt;&lt;/table&gt;</a:t>
             </a:r>
+            <a:endParaRPr>
+              <a:solidFill>
+                <a:srgbClr val="FF0000"/>
+              </a:solidFill>
+            </a:endParaRPr>
           </a:p>
           <a:p>
             <a:pPr lvl="1"/>
@@ -32718,7 +32800,7 @@
           </a:p>
           <a:p>
             <a:r>
-              <a:rPr lang="zh-CN" altLang="en-US">
+              <a:rPr>
                 <a:solidFill>
                   <a:srgbClr val="FF0000"/>
                 </a:solidFill>
@@ -32727,6 +32809,9 @@
               <a:t>&lt;tr&gt;&lt;/tr&gt;</a:t>
             </a:r>
             <a:endParaRPr>
+              <a:solidFill>
+                <a:srgbClr val="FF0000"/>
+              </a:solidFill>
               <a:sym typeface="+mn-ea"/>
             </a:endParaRPr>
           </a:p>
@@ -32805,12 +32890,6 @@
               <a:latin typeface="微软雅黑" panose="020B0503020204020204" pitchFamily="34" charset="-122"/>
               <a:ea typeface="微软雅黑" panose="020B0503020204020204" pitchFamily="34" charset="-122"/>
             </a:endParaRPr>
-          </a:p>
-          <a:p>
-            <a:endParaRPr lang="zh-CN" altLang="en-US"/>
-          </a:p>
-          <a:p>
-            <a:endParaRPr lang="zh-CN" altLang="en-US"/>
           </a:p>
           <a:p>
             <a:endParaRPr lang="zh-CN" altLang="en-US"/>
@@ -32833,7 +32912,388 @@
   <p:timing>
     <p:tnLst>
       <p:par>
-        <p:cTn id="1" dur="indefinite" restart="never" nodeType="tmRoot"/>
+        <p:cTn id="1" dur="indefinite" restart="never" nodeType="tmRoot">
+          <p:childTnLst>
+            <p:seq concurrent="1" nextAc="seek">
+              <p:cTn id="2" dur="indefinite" nodeType="mainSeq">
+                <p:childTnLst>
+                  <p:par>
+                    <p:cTn id="3" fill="hold">
+                      <p:stCondLst>
+                        <p:cond delay="indefinite"/>
+                      </p:stCondLst>
+                      <p:childTnLst>
+                        <p:par>
+                          <p:cTn id="4" fill="hold">
+                            <p:stCondLst>
+                              <p:cond delay="0"/>
+                            </p:stCondLst>
+                            <p:childTnLst>
+                              <p:par>
+                                <p:cTn id="5" presetID="2" presetClass="entr" presetSubtype="4" fill="hold" nodeType="clickEffect">
+                                  <p:stCondLst>
+                                    <p:cond delay="0"/>
+                                  </p:stCondLst>
+                                  <p:childTnLst>
+                                    <p:set>
+                                      <p:cBhvr>
+                                        <p:cTn id="6" dur="1" fill="hold">
+                                          <p:stCondLst>
+                                            <p:cond delay="0"/>
+                                          </p:stCondLst>
+                                        </p:cTn>
+                                        <p:tgtEl>
+                                          <p:spTgt spid="3">
+                                            <p:txEl>
+                                              <p:pRg st="4" end="4"/>
+                                            </p:txEl>
+                                          </p:spTgt>
+                                        </p:tgtEl>
+                                        <p:attrNameLst>
+                                          <p:attrName>style.visibility</p:attrName>
+                                        </p:attrNameLst>
+                                      </p:cBhvr>
+                                      <p:to>
+                                        <p:strVal val="visible"/>
+                                      </p:to>
+                                    </p:set>
+                                    <p:anim calcmode="lin" valueType="num">
+                                      <p:cBhvr additive="base">
+                                        <p:cTn id="7" dur="500" fill="hold"/>
+                                        <p:tgtEl>
+                                          <p:spTgt spid="3">
+                                            <p:txEl>
+                                              <p:pRg st="4" end="4"/>
+                                            </p:txEl>
+                                          </p:spTgt>
+                                        </p:tgtEl>
+                                        <p:attrNameLst>
+                                          <p:attrName>ppt_x</p:attrName>
+                                        </p:attrNameLst>
+                                      </p:cBhvr>
+                                      <p:tavLst>
+                                        <p:tav tm="0">
+                                          <p:val>
+                                            <p:strVal val="#ppt_x"/>
+                                          </p:val>
+                                        </p:tav>
+                                        <p:tav tm="100000">
+                                          <p:val>
+                                            <p:strVal val="#ppt_x"/>
+                                          </p:val>
+                                        </p:tav>
+                                      </p:tavLst>
+                                    </p:anim>
+                                    <p:anim calcmode="lin" valueType="num">
+                                      <p:cBhvr additive="base">
+                                        <p:cTn id="8" dur="500" fill="hold"/>
+                                        <p:tgtEl>
+                                          <p:spTgt spid="3">
+                                            <p:txEl>
+                                              <p:pRg st="4" end="4"/>
+                                            </p:txEl>
+                                          </p:spTgt>
+                                        </p:tgtEl>
+                                        <p:attrNameLst>
+                                          <p:attrName>ppt_y</p:attrName>
+                                        </p:attrNameLst>
+                                      </p:cBhvr>
+                                      <p:tavLst>
+                                        <p:tav tm="0">
+                                          <p:val>
+                                            <p:strVal val="1+#ppt_h/2"/>
+                                          </p:val>
+                                        </p:tav>
+                                        <p:tav tm="100000">
+                                          <p:val>
+                                            <p:strVal val="#ppt_y"/>
+                                          </p:val>
+                                        </p:tav>
+                                      </p:tavLst>
+                                    </p:anim>
+                                  </p:childTnLst>
+                                </p:cTn>
+                              </p:par>
+                              <p:par>
+                                <p:cTn id="9" presetID="2" presetClass="entr" presetSubtype="4" fill="hold" nodeType="withEffect">
+                                  <p:stCondLst>
+                                    <p:cond delay="0"/>
+                                  </p:stCondLst>
+                                  <p:childTnLst>
+                                    <p:set>
+                                      <p:cBhvr>
+                                        <p:cTn id="10" dur="1" fill="hold">
+                                          <p:stCondLst>
+                                            <p:cond delay="0"/>
+                                          </p:stCondLst>
+                                        </p:cTn>
+                                        <p:tgtEl>
+                                          <p:spTgt spid="3">
+                                            <p:txEl>
+                                              <p:pRg st="5" end="5"/>
+                                            </p:txEl>
+                                          </p:spTgt>
+                                        </p:tgtEl>
+                                        <p:attrNameLst>
+                                          <p:attrName>style.visibility</p:attrName>
+                                        </p:attrNameLst>
+                                      </p:cBhvr>
+                                      <p:to>
+                                        <p:strVal val="visible"/>
+                                      </p:to>
+                                    </p:set>
+                                    <p:anim calcmode="lin" valueType="num">
+                                      <p:cBhvr additive="base">
+                                        <p:cTn id="11" dur="500" fill="hold"/>
+                                        <p:tgtEl>
+                                          <p:spTgt spid="3">
+                                            <p:txEl>
+                                              <p:pRg st="5" end="5"/>
+                                            </p:txEl>
+                                          </p:spTgt>
+                                        </p:tgtEl>
+                                        <p:attrNameLst>
+                                          <p:attrName>ppt_x</p:attrName>
+                                        </p:attrNameLst>
+                                      </p:cBhvr>
+                                      <p:tavLst>
+                                        <p:tav tm="0">
+                                          <p:val>
+                                            <p:strVal val="#ppt_x"/>
+                                          </p:val>
+                                        </p:tav>
+                                        <p:tav tm="100000">
+                                          <p:val>
+                                            <p:strVal val="#ppt_x"/>
+                                          </p:val>
+                                        </p:tav>
+                                      </p:tavLst>
+                                    </p:anim>
+                                    <p:anim calcmode="lin" valueType="num">
+                                      <p:cBhvr additive="base">
+                                        <p:cTn id="12" dur="500" fill="hold"/>
+                                        <p:tgtEl>
+                                          <p:spTgt spid="3">
+                                            <p:txEl>
+                                              <p:pRg st="5" end="5"/>
+                                            </p:txEl>
+                                          </p:spTgt>
+                                        </p:tgtEl>
+                                        <p:attrNameLst>
+                                          <p:attrName>ppt_y</p:attrName>
+                                        </p:attrNameLst>
+                                      </p:cBhvr>
+                                      <p:tavLst>
+                                        <p:tav tm="0">
+                                          <p:val>
+                                            <p:strVal val="1+#ppt_h/2"/>
+                                          </p:val>
+                                        </p:tav>
+                                        <p:tav tm="100000">
+                                          <p:val>
+                                            <p:strVal val="#ppt_y"/>
+                                          </p:val>
+                                        </p:tav>
+                                      </p:tavLst>
+                                    </p:anim>
+                                  </p:childTnLst>
+                                </p:cTn>
+                              </p:par>
+                              <p:par>
+                                <p:cTn id="13" presetID="2" presetClass="entr" presetSubtype="4" fill="hold" nodeType="withEffect">
+                                  <p:stCondLst>
+                                    <p:cond delay="0"/>
+                                  </p:stCondLst>
+                                  <p:childTnLst>
+                                    <p:set>
+                                      <p:cBhvr>
+                                        <p:cTn id="14" dur="1" fill="hold">
+                                          <p:stCondLst>
+                                            <p:cond delay="0"/>
+                                          </p:stCondLst>
+                                        </p:cTn>
+                                        <p:tgtEl>
+                                          <p:spTgt spid="3">
+                                            <p:txEl>
+                                              <p:pRg st="6" end="6"/>
+                                            </p:txEl>
+                                          </p:spTgt>
+                                        </p:tgtEl>
+                                        <p:attrNameLst>
+                                          <p:attrName>style.visibility</p:attrName>
+                                        </p:attrNameLst>
+                                      </p:cBhvr>
+                                      <p:to>
+                                        <p:strVal val="visible"/>
+                                      </p:to>
+                                    </p:set>
+                                    <p:anim calcmode="lin" valueType="num">
+                                      <p:cBhvr additive="base">
+                                        <p:cTn id="15" dur="500" fill="hold"/>
+                                        <p:tgtEl>
+                                          <p:spTgt spid="3">
+                                            <p:txEl>
+                                              <p:pRg st="6" end="6"/>
+                                            </p:txEl>
+                                          </p:spTgt>
+                                        </p:tgtEl>
+                                        <p:attrNameLst>
+                                          <p:attrName>ppt_x</p:attrName>
+                                        </p:attrNameLst>
+                                      </p:cBhvr>
+                                      <p:tavLst>
+                                        <p:tav tm="0">
+                                          <p:val>
+                                            <p:strVal val="#ppt_x"/>
+                                          </p:val>
+                                        </p:tav>
+                                        <p:tav tm="100000">
+                                          <p:val>
+                                            <p:strVal val="#ppt_x"/>
+                                          </p:val>
+                                        </p:tav>
+                                      </p:tavLst>
+                                    </p:anim>
+                                    <p:anim calcmode="lin" valueType="num">
+                                      <p:cBhvr additive="base">
+                                        <p:cTn id="16" dur="500" fill="hold"/>
+                                        <p:tgtEl>
+                                          <p:spTgt spid="3">
+                                            <p:txEl>
+                                              <p:pRg st="6" end="6"/>
+                                            </p:txEl>
+                                          </p:spTgt>
+                                        </p:tgtEl>
+                                        <p:attrNameLst>
+                                          <p:attrName>ppt_y</p:attrName>
+                                        </p:attrNameLst>
+                                      </p:cBhvr>
+                                      <p:tavLst>
+                                        <p:tav tm="0">
+                                          <p:val>
+                                            <p:strVal val="1+#ppt_h/2"/>
+                                          </p:val>
+                                        </p:tav>
+                                        <p:tav tm="100000">
+                                          <p:val>
+                                            <p:strVal val="#ppt_y"/>
+                                          </p:val>
+                                        </p:tav>
+                                      </p:tavLst>
+                                    </p:anim>
+                                  </p:childTnLst>
+                                </p:cTn>
+                              </p:par>
+                              <p:par>
+                                <p:cTn id="17" presetID="2" presetClass="entr" presetSubtype="4" fill="hold" nodeType="withEffect">
+                                  <p:stCondLst>
+                                    <p:cond delay="0"/>
+                                  </p:stCondLst>
+                                  <p:childTnLst>
+                                    <p:set>
+                                      <p:cBhvr>
+                                        <p:cTn id="18" dur="1" fill="hold">
+                                          <p:stCondLst>
+                                            <p:cond delay="0"/>
+                                          </p:stCondLst>
+                                        </p:cTn>
+                                        <p:tgtEl>
+                                          <p:spTgt spid="3">
+                                            <p:txEl>
+                                              <p:pRg st="7" end="7"/>
+                                            </p:txEl>
+                                          </p:spTgt>
+                                        </p:tgtEl>
+                                        <p:attrNameLst>
+                                          <p:attrName>style.visibility</p:attrName>
+                                        </p:attrNameLst>
+                                      </p:cBhvr>
+                                      <p:to>
+                                        <p:strVal val="visible"/>
+                                      </p:to>
+                                    </p:set>
+                                    <p:anim calcmode="lin" valueType="num">
+                                      <p:cBhvr additive="base">
+                                        <p:cTn id="19" dur="500" fill="hold"/>
+                                        <p:tgtEl>
+                                          <p:spTgt spid="3">
+                                            <p:txEl>
+                                              <p:pRg st="7" end="7"/>
+                                            </p:txEl>
+                                          </p:spTgt>
+                                        </p:tgtEl>
+                                        <p:attrNameLst>
+                                          <p:attrName>ppt_x</p:attrName>
+                                        </p:attrNameLst>
+                                      </p:cBhvr>
+                                      <p:tavLst>
+                                        <p:tav tm="0">
+                                          <p:val>
+                                            <p:strVal val="#ppt_x"/>
+                                          </p:val>
+                                        </p:tav>
+                                        <p:tav tm="100000">
+                                          <p:val>
+                                            <p:strVal val="#ppt_x"/>
+                                          </p:val>
+                                        </p:tav>
+                                      </p:tavLst>
+                                    </p:anim>
+                                    <p:anim calcmode="lin" valueType="num">
+                                      <p:cBhvr additive="base">
+                                        <p:cTn id="20" dur="500" fill="hold"/>
+                                        <p:tgtEl>
+                                          <p:spTgt spid="3">
+                                            <p:txEl>
+                                              <p:pRg st="7" end="7"/>
+                                            </p:txEl>
+                                          </p:spTgt>
+                                        </p:tgtEl>
+                                        <p:attrNameLst>
+                                          <p:attrName>ppt_y</p:attrName>
+                                        </p:attrNameLst>
+                                      </p:cBhvr>
+                                      <p:tavLst>
+                                        <p:tav tm="0">
+                                          <p:val>
+                                            <p:strVal val="1+#ppt_h/2"/>
+                                          </p:val>
+                                        </p:tav>
+                                        <p:tav tm="100000">
+                                          <p:val>
+                                            <p:strVal val="#ppt_y"/>
+                                          </p:val>
+                                        </p:tav>
+                                      </p:tavLst>
+                                    </p:anim>
+                                  </p:childTnLst>
+                                </p:cTn>
+                              </p:par>
+                            </p:childTnLst>
+                          </p:cTn>
+                        </p:par>
+                      </p:childTnLst>
+                    </p:cTn>
+                  </p:par>
+                </p:childTnLst>
+              </p:cTn>
+              <p:prevCondLst>
+                <p:cond evt="onPrev" delay="0">
+                  <p:tgtEl>
+                    <p:sldTgt/>
+                  </p:tgtEl>
+                </p:cond>
+              </p:prevCondLst>
+              <p:nextCondLst>
+                <p:cond evt="onNext" delay="0">
+                  <p:tgtEl>
+                    <p:sldTgt/>
+                  </p:tgtEl>
+                </p:cond>
+              </p:nextCondLst>
+            </p:seq>
+          </p:childTnLst>
+        </p:cTn>
       </p:par>
     </p:tnLst>
   </p:timing>
@@ -32892,13 +33352,18 @@
           <a:bodyPr/>
           <a:p>
             <a:r>
-              <a:rPr lang="zh-CN" altLang="en-US">
+              <a:rPr>
                 <a:solidFill>
                   <a:srgbClr val="FF0000"/>
                 </a:solidFill>
               </a:rPr>
               <a:t>&lt;th&gt;&lt;/th&gt;</a:t>
             </a:r>
+            <a:endParaRPr>
+              <a:solidFill>
+                <a:srgbClr val="FF0000"/>
+              </a:solidFill>
+            </a:endParaRPr>
           </a:p>
           <a:p>
             <a:pPr lvl="1"/>
@@ -33012,7 +33477,7 @@
           </a:p>
           <a:p>
             <a:r>
-              <a:rPr lang="zh-CN" altLang="en-US">
+              <a:rPr>
                 <a:solidFill>
                   <a:srgbClr val="FF0000"/>
                 </a:solidFill>
@@ -33021,6 +33486,9 @@
               <a:t>&lt;td&gt;&lt;/td&gt;</a:t>
             </a:r>
             <a:endParaRPr>
+              <a:solidFill>
+                <a:srgbClr val="FF0000"/>
+              </a:solidFill>
               <a:sym typeface="+mn-ea"/>
             </a:endParaRPr>
           </a:p>
@@ -33123,12 +33591,6 @@
               <a:latin typeface="微软雅黑" panose="020B0503020204020204" pitchFamily="34" charset="-122"/>
               <a:ea typeface="微软雅黑" panose="020B0503020204020204" pitchFamily="34" charset="-122"/>
             </a:endParaRPr>
-          </a:p>
-          <a:p>
-            <a:endParaRPr lang="zh-CN" altLang="en-US"/>
-          </a:p>
-          <a:p>
-            <a:endParaRPr lang="zh-CN" altLang="en-US"/>
           </a:p>
           <a:p>
             <a:endParaRPr lang="zh-CN" altLang="en-US"/>
@@ -33151,7 +33613,388 @@
   <p:timing>
     <p:tnLst>
       <p:par>
-        <p:cTn id="1" dur="indefinite" restart="never" nodeType="tmRoot"/>
+        <p:cTn id="1" dur="indefinite" restart="never" nodeType="tmRoot">
+          <p:childTnLst>
+            <p:seq concurrent="1" nextAc="seek">
+              <p:cTn id="2" dur="indefinite" nodeType="mainSeq">
+                <p:childTnLst>
+                  <p:par>
+                    <p:cTn id="3" fill="hold">
+                      <p:stCondLst>
+                        <p:cond delay="indefinite"/>
+                      </p:stCondLst>
+                      <p:childTnLst>
+                        <p:par>
+                          <p:cTn id="4" fill="hold">
+                            <p:stCondLst>
+                              <p:cond delay="0"/>
+                            </p:stCondLst>
+                            <p:childTnLst>
+                              <p:par>
+                                <p:cTn id="5" presetID="2" presetClass="entr" presetSubtype="4" fill="hold" nodeType="clickEffect">
+                                  <p:stCondLst>
+                                    <p:cond delay="0"/>
+                                  </p:stCondLst>
+                                  <p:childTnLst>
+                                    <p:set>
+                                      <p:cBhvr>
+                                        <p:cTn id="6" dur="1" fill="hold">
+                                          <p:stCondLst>
+                                            <p:cond delay="0"/>
+                                          </p:stCondLst>
+                                        </p:cTn>
+                                        <p:tgtEl>
+                                          <p:spTgt spid="3">
+                                            <p:txEl>
+                                              <p:pRg st="4" end="4"/>
+                                            </p:txEl>
+                                          </p:spTgt>
+                                        </p:tgtEl>
+                                        <p:attrNameLst>
+                                          <p:attrName>style.visibility</p:attrName>
+                                        </p:attrNameLst>
+                                      </p:cBhvr>
+                                      <p:to>
+                                        <p:strVal val="visible"/>
+                                      </p:to>
+                                    </p:set>
+                                    <p:anim calcmode="lin" valueType="num">
+                                      <p:cBhvr additive="base">
+                                        <p:cTn id="7" dur="500" fill="hold"/>
+                                        <p:tgtEl>
+                                          <p:spTgt spid="3">
+                                            <p:txEl>
+                                              <p:pRg st="4" end="4"/>
+                                            </p:txEl>
+                                          </p:spTgt>
+                                        </p:tgtEl>
+                                        <p:attrNameLst>
+                                          <p:attrName>ppt_x</p:attrName>
+                                        </p:attrNameLst>
+                                      </p:cBhvr>
+                                      <p:tavLst>
+                                        <p:tav tm="0">
+                                          <p:val>
+                                            <p:strVal val="#ppt_x"/>
+                                          </p:val>
+                                        </p:tav>
+                                        <p:tav tm="100000">
+                                          <p:val>
+                                            <p:strVal val="#ppt_x"/>
+                                          </p:val>
+                                        </p:tav>
+                                      </p:tavLst>
+                                    </p:anim>
+                                    <p:anim calcmode="lin" valueType="num">
+                                      <p:cBhvr additive="base">
+                                        <p:cTn id="8" dur="500" fill="hold"/>
+                                        <p:tgtEl>
+                                          <p:spTgt spid="3">
+                                            <p:txEl>
+                                              <p:pRg st="4" end="4"/>
+                                            </p:txEl>
+                                          </p:spTgt>
+                                        </p:tgtEl>
+                                        <p:attrNameLst>
+                                          <p:attrName>ppt_y</p:attrName>
+                                        </p:attrNameLst>
+                                      </p:cBhvr>
+                                      <p:tavLst>
+                                        <p:tav tm="0">
+                                          <p:val>
+                                            <p:strVal val="1+#ppt_h/2"/>
+                                          </p:val>
+                                        </p:tav>
+                                        <p:tav tm="100000">
+                                          <p:val>
+                                            <p:strVal val="#ppt_y"/>
+                                          </p:val>
+                                        </p:tav>
+                                      </p:tavLst>
+                                    </p:anim>
+                                  </p:childTnLst>
+                                </p:cTn>
+                              </p:par>
+                              <p:par>
+                                <p:cTn id="9" presetID="2" presetClass="entr" presetSubtype="4" fill="hold" nodeType="withEffect">
+                                  <p:stCondLst>
+                                    <p:cond delay="0"/>
+                                  </p:stCondLst>
+                                  <p:childTnLst>
+                                    <p:set>
+                                      <p:cBhvr>
+                                        <p:cTn id="10" dur="1" fill="hold">
+                                          <p:stCondLst>
+                                            <p:cond delay="0"/>
+                                          </p:stCondLst>
+                                        </p:cTn>
+                                        <p:tgtEl>
+                                          <p:spTgt spid="3">
+                                            <p:txEl>
+                                              <p:pRg st="5" end="5"/>
+                                            </p:txEl>
+                                          </p:spTgt>
+                                        </p:tgtEl>
+                                        <p:attrNameLst>
+                                          <p:attrName>style.visibility</p:attrName>
+                                        </p:attrNameLst>
+                                      </p:cBhvr>
+                                      <p:to>
+                                        <p:strVal val="visible"/>
+                                      </p:to>
+                                    </p:set>
+                                    <p:anim calcmode="lin" valueType="num">
+                                      <p:cBhvr additive="base">
+                                        <p:cTn id="11" dur="500" fill="hold"/>
+                                        <p:tgtEl>
+                                          <p:spTgt spid="3">
+                                            <p:txEl>
+                                              <p:pRg st="5" end="5"/>
+                                            </p:txEl>
+                                          </p:spTgt>
+                                        </p:tgtEl>
+                                        <p:attrNameLst>
+                                          <p:attrName>ppt_x</p:attrName>
+                                        </p:attrNameLst>
+                                      </p:cBhvr>
+                                      <p:tavLst>
+                                        <p:tav tm="0">
+                                          <p:val>
+                                            <p:strVal val="#ppt_x"/>
+                                          </p:val>
+                                        </p:tav>
+                                        <p:tav tm="100000">
+                                          <p:val>
+                                            <p:strVal val="#ppt_x"/>
+                                          </p:val>
+                                        </p:tav>
+                                      </p:tavLst>
+                                    </p:anim>
+                                    <p:anim calcmode="lin" valueType="num">
+                                      <p:cBhvr additive="base">
+                                        <p:cTn id="12" dur="500" fill="hold"/>
+                                        <p:tgtEl>
+                                          <p:spTgt spid="3">
+                                            <p:txEl>
+                                              <p:pRg st="5" end="5"/>
+                                            </p:txEl>
+                                          </p:spTgt>
+                                        </p:tgtEl>
+                                        <p:attrNameLst>
+                                          <p:attrName>ppt_y</p:attrName>
+                                        </p:attrNameLst>
+                                      </p:cBhvr>
+                                      <p:tavLst>
+                                        <p:tav tm="0">
+                                          <p:val>
+                                            <p:strVal val="1+#ppt_h/2"/>
+                                          </p:val>
+                                        </p:tav>
+                                        <p:tav tm="100000">
+                                          <p:val>
+                                            <p:strVal val="#ppt_y"/>
+                                          </p:val>
+                                        </p:tav>
+                                      </p:tavLst>
+                                    </p:anim>
+                                  </p:childTnLst>
+                                </p:cTn>
+                              </p:par>
+                              <p:par>
+                                <p:cTn id="13" presetID="2" presetClass="entr" presetSubtype="4" fill="hold" nodeType="withEffect">
+                                  <p:stCondLst>
+                                    <p:cond delay="0"/>
+                                  </p:stCondLst>
+                                  <p:childTnLst>
+                                    <p:set>
+                                      <p:cBhvr>
+                                        <p:cTn id="14" dur="1" fill="hold">
+                                          <p:stCondLst>
+                                            <p:cond delay="0"/>
+                                          </p:stCondLst>
+                                        </p:cTn>
+                                        <p:tgtEl>
+                                          <p:spTgt spid="3">
+                                            <p:txEl>
+                                              <p:pRg st="6" end="6"/>
+                                            </p:txEl>
+                                          </p:spTgt>
+                                        </p:tgtEl>
+                                        <p:attrNameLst>
+                                          <p:attrName>style.visibility</p:attrName>
+                                        </p:attrNameLst>
+                                      </p:cBhvr>
+                                      <p:to>
+                                        <p:strVal val="visible"/>
+                                      </p:to>
+                                    </p:set>
+                                    <p:anim calcmode="lin" valueType="num">
+                                      <p:cBhvr additive="base">
+                                        <p:cTn id="15" dur="500" fill="hold"/>
+                                        <p:tgtEl>
+                                          <p:spTgt spid="3">
+                                            <p:txEl>
+                                              <p:pRg st="6" end="6"/>
+                                            </p:txEl>
+                                          </p:spTgt>
+                                        </p:tgtEl>
+                                        <p:attrNameLst>
+                                          <p:attrName>ppt_x</p:attrName>
+                                        </p:attrNameLst>
+                                      </p:cBhvr>
+                                      <p:tavLst>
+                                        <p:tav tm="0">
+                                          <p:val>
+                                            <p:strVal val="#ppt_x"/>
+                                          </p:val>
+                                        </p:tav>
+                                        <p:tav tm="100000">
+                                          <p:val>
+                                            <p:strVal val="#ppt_x"/>
+                                          </p:val>
+                                        </p:tav>
+                                      </p:tavLst>
+                                    </p:anim>
+                                    <p:anim calcmode="lin" valueType="num">
+                                      <p:cBhvr additive="base">
+                                        <p:cTn id="16" dur="500" fill="hold"/>
+                                        <p:tgtEl>
+                                          <p:spTgt spid="3">
+                                            <p:txEl>
+                                              <p:pRg st="6" end="6"/>
+                                            </p:txEl>
+                                          </p:spTgt>
+                                        </p:tgtEl>
+                                        <p:attrNameLst>
+                                          <p:attrName>ppt_y</p:attrName>
+                                        </p:attrNameLst>
+                                      </p:cBhvr>
+                                      <p:tavLst>
+                                        <p:tav tm="0">
+                                          <p:val>
+                                            <p:strVal val="1+#ppt_h/2"/>
+                                          </p:val>
+                                        </p:tav>
+                                        <p:tav tm="100000">
+                                          <p:val>
+                                            <p:strVal val="#ppt_y"/>
+                                          </p:val>
+                                        </p:tav>
+                                      </p:tavLst>
+                                    </p:anim>
+                                  </p:childTnLst>
+                                </p:cTn>
+                              </p:par>
+                              <p:par>
+                                <p:cTn id="17" presetID="2" presetClass="entr" presetSubtype="4" fill="hold" nodeType="withEffect">
+                                  <p:stCondLst>
+                                    <p:cond delay="0"/>
+                                  </p:stCondLst>
+                                  <p:childTnLst>
+                                    <p:set>
+                                      <p:cBhvr>
+                                        <p:cTn id="18" dur="1" fill="hold">
+                                          <p:stCondLst>
+                                            <p:cond delay="0"/>
+                                          </p:stCondLst>
+                                        </p:cTn>
+                                        <p:tgtEl>
+                                          <p:spTgt spid="3">
+                                            <p:txEl>
+                                              <p:pRg st="7" end="7"/>
+                                            </p:txEl>
+                                          </p:spTgt>
+                                        </p:tgtEl>
+                                        <p:attrNameLst>
+                                          <p:attrName>style.visibility</p:attrName>
+                                        </p:attrNameLst>
+                                      </p:cBhvr>
+                                      <p:to>
+                                        <p:strVal val="visible"/>
+                                      </p:to>
+                                    </p:set>
+                                    <p:anim calcmode="lin" valueType="num">
+                                      <p:cBhvr additive="base">
+                                        <p:cTn id="19" dur="500" fill="hold"/>
+                                        <p:tgtEl>
+                                          <p:spTgt spid="3">
+                                            <p:txEl>
+                                              <p:pRg st="7" end="7"/>
+                                            </p:txEl>
+                                          </p:spTgt>
+                                        </p:tgtEl>
+                                        <p:attrNameLst>
+                                          <p:attrName>ppt_x</p:attrName>
+                                        </p:attrNameLst>
+                                      </p:cBhvr>
+                                      <p:tavLst>
+                                        <p:tav tm="0">
+                                          <p:val>
+                                            <p:strVal val="#ppt_x"/>
+                                          </p:val>
+                                        </p:tav>
+                                        <p:tav tm="100000">
+                                          <p:val>
+                                            <p:strVal val="#ppt_x"/>
+                                          </p:val>
+                                        </p:tav>
+                                      </p:tavLst>
+                                    </p:anim>
+                                    <p:anim calcmode="lin" valueType="num">
+                                      <p:cBhvr additive="base">
+                                        <p:cTn id="20" dur="500" fill="hold"/>
+                                        <p:tgtEl>
+                                          <p:spTgt spid="3">
+                                            <p:txEl>
+                                              <p:pRg st="7" end="7"/>
+                                            </p:txEl>
+                                          </p:spTgt>
+                                        </p:tgtEl>
+                                        <p:attrNameLst>
+                                          <p:attrName>ppt_y</p:attrName>
+                                        </p:attrNameLst>
+                                      </p:cBhvr>
+                                      <p:tavLst>
+                                        <p:tav tm="0">
+                                          <p:val>
+                                            <p:strVal val="1+#ppt_h/2"/>
+                                          </p:val>
+                                        </p:tav>
+                                        <p:tav tm="100000">
+                                          <p:val>
+                                            <p:strVal val="#ppt_y"/>
+                                          </p:val>
+                                        </p:tav>
+                                      </p:tavLst>
+                                    </p:anim>
+                                  </p:childTnLst>
+                                </p:cTn>
+                              </p:par>
+                            </p:childTnLst>
+                          </p:cTn>
+                        </p:par>
+                      </p:childTnLst>
+                    </p:cTn>
+                  </p:par>
+                </p:childTnLst>
+              </p:cTn>
+              <p:prevCondLst>
+                <p:cond evt="onPrev" delay="0">
+                  <p:tgtEl>
+                    <p:sldTgt/>
+                  </p:tgtEl>
+                </p:cond>
+              </p:prevCondLst>
+              <p:nextCondLst>
+                <p:cond evt="onNext" delay="0">
+                  <p:tgtEl>
+                    <p:sldTgt/>
+                  </p:tgtEl>
+                </p:cond>
+              </p:nextCondLst>
+            </p:seq>
+          </p:childTnLst>
+        </p:cTn>
       </p:par>
     </p:tnLst>
   </p:timing>

--- a/materials/slides/ch03-htmlBasic2.pptx
+++ b/materials/slides/ch03-htmlBasic2.pptx
@@ -26,7 +26,7 @@
     <p:sldId id="602" r:id="rId19"/>
     <p:sldId id="588" r:id="rId20"/>
     <p:sldId id="604" r:id="rId21"/>
-    <p:sldId id="616" r:id="rId22"/>
+    <p:sldId id="672" r:id="rId22"/>
     <p:sldId id="647" r:id="rId23"/>
     <p:sldId id="607" r:id="rId24"/>
     <p:sldId id="608" r:id="rId25"/>
@@ -11318,73 +11318,63 @@
             </a:pPr>
             <a:r>
               <a:rPr lang="zh-CN" altLang="en-US" smtClean="0">
+                <a:solidFill>
+                  <a:srgbClr val="FF0000"/>
+                </a:solidFill>
                 <a:sym typeface="+mn-ea"/>
               </a:rPr>
               <a:t>表</a:t>
             </a:r>
             <a:r>
               <a:rPr lang="zh-CN" altLang="en-US">
-                <a:sym typeface="+mn-ea"/>
-              </a:rPr>
-              <a:t>单是网站设计者与浏览器之间沟通的桥梁，其作用是从访问网站的用户那里获得信息，是</a:t>
+                <a:solidFill>
+                  <a:srgbClr val="FF0000"/>
+                </a:solidFill>
+                <a:sym typeface="+mn-ea"/>
+              </a:rPr>
+              <a:t>单是一个包含表单元素的区域。</a:t>
             </a:r>
             <a:r>
               <a:rPr lang="zh-CN" altLang="en-US">
-                <a:solidFill>
-                  <a:srgbClr val="FF0000"/>
-                </a:solidFill>
-                <a:sym typeface="+mn-ea"/>
-              </a:rPr>
-              <a:t>用户向服务器传输数据的接口</a:t>
-            </a:r>
-            <a:r>
-              <a:rPr lang="zh-CN" altLang="en-US">
-                <a:sym typeface="+mn-ea"/>
-              </a:rPr>
-              <a:t>。</a:t>
-            </a:r>
-            <a:endParaRPr lang="en-US" altLang="zh-CN" dirty="0"/>
+                <a:sym typeface="+mn-ea"/>
+              </a:rPr>
+              <a:t>表单元素是允许用户在表单中输入信息的元素。（比如：文本框、下拉列表、单选框、复选框等等）</a:t>
+            </a:r>
+            <a:endParaRPr lang="zh-CN" altLang="en-US">
+              <a:sym typeface="+mn-ea"/>
+            </a:endParaRPr>
           </a:p>
           <a:p>
             <a:pPr>
               <a:lnSpc>
-                <a:spcPts val="4840"/>
+                <a:spcPct val="150000"/>
               </a:lnSpc>
-              <a:spcAft>
-                <a:spcPts val="1200"/>
-              </a:spcAft>
+              <a:buClr>
+                <a:schemeClr val="tx1"/>
+              </a:buClr>
             </a:pPr>
             <a:r>
-              <a:rPr lang="zh-CN" altLang="en-US" smtClean="0">
+              <a:rPr lang="zh-CN" altLang="en-US">
+                <a:sym typeface="+mn-ea"/>
+              </a:rPr>
+              <a:t>其作用是从访问网站的用户那里获得信息，是</a:t>
+            </a:r>
+            <a:r>
+              <a:rPr lang="zh-CN" altLang="en-US">
                 <a:solidFill>
                   <a:srgbClr val="FF0000"/>
                 </a:solidFill>
                 <a:sym typeface="+mn-ea"/>
               </a:rPr>
-              <a:t>表</a:t>
+              <a:t>用户向服务器传输数据的接口</a:t>
             </a:r>
             <a:r>
               <a:rPr lang="zh-CN" altLang="en-US">
-                <a:solidFill>
-                  <a:srgbClr val="FF0000"/>
-                </a:solidFill>
-                <a:sym typeface="+mn-ea"/>
-              </a:rPr>
-              <a:t>单是一个包含表单元素的区域</a:t>
-            </a:r>
-            <a:r>
-              <a:rPr lang="zh-CN" altLang="en-US">
-                <a:sym typeface="+mn-ea"/>
-              </a:rPr>
-              <a:t>。表单元素是允许用户在表单中输入信息的元素（比如：文本域、下拉列表、单选框、复选框等等）</a:t>
-            </a:r>
-            <a:r>
-              <a:rPr lang="zh-CN" altLang="en-US" smtClean="0">
                 <a:sym typeface="+mn-ea"/>
               </a:rPr>
               <a:t>。</a:t>
             </a:r>
-            <a:endParaRPr lang="zh-CN" altLang="en-US"/>
+            <a:endParaRPr lang="en-US" altLang="zh-CN" dirty="0"/>
           </a:p>
           <a:p>
             <a:endParaRPr lang="zh-CN" altLang="en-US"/>
@@ -12352,9 +12342,6 @@
               <a:ea typeface="微软雅黑" panose="020B0503020204020204" pitchFamily="34" charset="-122"/>
               <a:sym typeface="+mn-ea"/>
             </a:endParaRPr>
-          </a:p>
-          <a:p>
-            <a:endParaRPr lang="zh-CN" altLang="en-US"/>
           </a:p>
           <a:p>
             <a:endParaRPr lang="zh-CN" altLang="en-US"/>
@@ -13605,7 +13592,7 @@
                   <a:srgbClr val="FF0000"/>
                 </a:solidFill>
               </a:rPr>
-              <a:t>文本域</a:t>
+              <a:t>文本框</a:t>
             </a:r>
             <a:endParaRPr lang="zh-CN" altLang="en-US">
               <a:solidFill>
@@ -13628,16 +13615,7 @@
                 </a:solidFill>
                 <a:sym typeface="+mn-ea"/>
               </a:rPr>
-              <a:t>文本</a:t>
-            </a:r>
-            <a:r>
-              <a:rPr lang="zh-CN" altLang="en-US">
-                <a:solidFill>
-                  <a:schemeClr val="tx1"/>
-                </a:solidFill>
-                <a:sym typeface="+mn-ea"/>
-              </a:rPr>
-              <a:t>域</a:t>
+              <a:t>文本框</a:t>
             </a:r>
             <a:r>
               <a:rPr lang="zh-CN" altLang="en-US" smtClean="0">
@@ -13907,7 +13885,7 @@
                 <a:latin typeface="微软雅黑" panose="020B0503020204020204" pitchFamily="34" charset="-122"/>
                 <a:ea typeface="微软雅黑" panose="020B0503020204020204" pitchFamily="34" charset="-122"/>
               </a:rPr>
-              <a:t>：为文本框命名，以备</a:t>
+              <a:t>：为输入框命名，以备</a:t>
             </a:r>
             <a:r>
               <a:rPr lang="zh-CN" altLang="en-US" sz="2400" dirty="0" smtClean="0">
@@ -13946,7 +13924,7 @@
                 <a:latin typeface="微软雅黑" panose="020B0503020204020204" pitchFamily="34" charset="-122"/>
                 <a:ea typeface="微软雅黑" panose="020B0503020204020204" pitchFamily="34" charset="-122"/>
               </a:rPr>
-              <a:t>：为文本输入框设置默认值。</a:t>
+              <a:t>：为输入框设置默认值。</a:t>
             </a:r>
             <a:r>
               <a:rPr lang="en-US" altLang="zh-CN" sz="2400" dirty="0">
@@ -14871,7 +14849,7 @@
                   <a:srgbClr val="FF0000"/>
                 </a:solidFill>
               </a:rPr>
-              <a:t>密码域</a:t>
+              <a:t>密码框</a:t>
             </a:r>
             <a:endParaRPr lang="zh-CN" altLang="en-US">
               <a:solidFill>
@@ -14900,7 +14878,7 @@
                 </a:solidFill>
                 <a:sym typeface="+mn-ea"/>
               </a:rPr>
-              <a:t>密码域</a:t>
+              <a:t>密码框</a:t>
             </a:r>
             <a:r>
               <a:rPr lang="zh-CN" altLang="en-US" dirty="0" smtClean="0">
@@ -15174,7 +15152,7 @@
                 <a:latin typeface="微软雅黑" panose="020B0503020204020204" pitchFamily="34" charset="-122"/>
                 <a:ea typeface="微软雅黑" panose="020B0503020204020204" pitchFamily="34" charset="-122"/>
               </a:rPr>
-              <a:t>：为文本框命名，以备</a:t>
+              <a:t>：为输入框命名，以备</a:t>
             </a:r>
             <a:r>
               <a:rPr lang="zh-CN" altLang="en-US" sz="2400" dirty="0" smtClean="0">
@@ -15213,7 +15191,7 @@
                 <a:latin typeface="微软雅黑" panose="020B0503020204020204" pitchFamily="34" charset="-122"/>
                 <a:ea typeface="微软雅黑" panose="020B0503020204020204" pitchFamily="34" charset="-122"/>
               </a:rPr>
-              <a:t>：为文本输入框设置默认值。</a:t>
+              <a:t>：为输入框设置默认值。</a:t>
             </a:r>
             <a:r>
               <a:rPr lang="en-US" altLang="zh-CN" sz="2400" dirty="0">
@@ -16727,6 +16705,49 @@
                                   </p:childTnLst>
                                 </p:cTn>
                               </p:par>
+                              <p:par>
+                                <p:cTn id="11" presetID="10" presetClass="entr" presetSubtype="0" fill="hold" nodeType="withEffect">
+                                  <p:stCondLst>
+                                    <p:cond delay="0"/>
+                                  </p:stCondLst>
+                                  <p:childTnLst>
+                                    <p:set>
+                                      <p:cBhvr>
+                                        <p:cTn id="12" dur="1" fill="hold">
+                                          <p:stCondLst>
+                                            <p:cond delay="0"/>
+                                          </p:stCondLst>
+                                        </p:cTn>
+                                        <p:tgtEl>
+                                          <p:spTgt spid="3">
+                                            <p:txEl>
+                                              <p:pRg st="2" end="2"/>
+                                            </p:txEl>
+                                          </p:spTgt>
+                                        </p:tgtEl>
+                                        <p:attrNameLst>
+                                          <p:attrName>style.visibility</p:attrName>
+                                        </p:attrNameLst>
+                                      </p:cBhvr>
+                                      <p:to>
+                                        <p:strVal val="visible"/>
+                                      </p:to>
+                                    </p:set>
+                                    <p:animEffect transition="in" filter="fade">
+                                      <p:cBhvr>
+                                        <p:cTn id="13" dur="500"/>
+                                        <p:tgtEl>
+                                          <p:spTgt spid="3">
+                                            <p:txEl>
+                                              <p:pRg st="2" end="2"/>
+                                            </p:txEl>
+                                          </p:spTgt>
+                                        </p:tgtEl>
+                                      </p:cBhvr>
+                                    </p:animEffect>
+                                  </p:childTnLst>
+                                </p:cTn>
+                              </p:par>
                             </p:childTnLst>
                           </p:cTn>
                         </p:par>
@@ -16734,26 +16755,26 @@
                     </p:cTn>
                   </p:par>
                   <p:par>
-                    <p:cTn id="11" fill="hold">
+                    <p:cTn id="14" fill="hold">
                       <p:stCondLst>
                         <p:cond delay="indefinite"/>
                       </p:stCondLst>
                       <p:childTnLst>
                         <p:par>
-                          <p:cTn id="12" fill="hold">
+                          <p:cTn id="15" fill="hold">
                             <p:stCondLst>
                               <p:cond delay="0"/>
                             </p:stCondLst>
                             <p:childTnLst>
                               <p:par>
-                                <p:cTn id="13" presetID="42" presetClass="entr" presetSubtype="0" fill="hold" grpId="0" nodeType="clickEffect">
+                                <p:cTn id="16" presetID="42" presetClass="entr" presetSubtype="0" fill="hold" grpId="0" nodeType="clickEffect">
                                   <p:stCondLst>
                                     <p:cond delay="0"/>
                                   </p:stCondLst>
                                   <p:childTnLst>
                                     <p:set>
                                       <p:cBhvr>
-                                        <p:cTn id="14" dur="1" fill="hold">
+                                        <p:cTn id="17" dur="1" fill="hold">
                                           <p:stCondLst>
                                             <p:cond delay="0"/>
                                           </p:stCondLst>
@@ -16771,7 +16792,7 @@
                                     </p:set>
                                     <p:animEffect transition="in" filter="fade">
                                       <p:cBhvr>
-                                        <p:cTn id="15" dur="1000"/>
+                                        <p:cTn id="18" dur="1000"/>
                                         <p:tgtEl>
                                           <p:spTgt spid="6"/>
                                         </p:tgtEl>
@@ -16779,7 +16800,7 @@
                                     </p:animEffect>
                                     <p:anim calcmode="lin" valueType="num">
                                       <p:cBhvr>
-                                        <p:cTn id="16" dur="1000" fill="hold"/>
+                                        <p:cTn id="19" dur="1000" fill="hold"/>
                                         <p:tgtEl>
                                           <p:spTgt spid="6"/>
                                         </p:tgtEl>
@@ -16802,7 +16823,7 @@
                                     </p:anim>
                                     <p:anim calcmode="lin" valueType="num">
                                       <p:cBhvr>
-                                        <p:cTn id="17" dur="1000" fill="hold"/>
+                                        <p:cTn id="20" dur="1000" fill="hold"/>
                                         <p:tgtEl>
                                           <p:spTgt spid="6"/>
                                         </p:tgtEl>
@@ -16827,14 +16848,14 @@
                                 </p:cTn>
                               </p:par>
                               <p:par>
-                                <p:cTn id="18" presetID="42" presetClass="entr" presetSubtype="0" fill="hold" grpId="0" nodeType="withEffect">
+                                <p:cTn id="21" presetID="42" presetClass="entr" presetSubtype="0" fill="hold" grpId="0" nodeType="withEffect">
                                   <p:stCondLst>
                                     <p:cond delay="0"/>
                                   </p:stCondLst>
                                   <p:childTnLst>
                                     <p:set>
                                       <p:cBhvr>
-                                        <p:cTn id="19" dur="1" fill="hold">
+                                        <p:cTn id="22" dur="1" fill="hold">
                                           <p:stCondLst>
                                             <p:cond delay="0"/>
                                           </p:stCondLst>
@@ -16852,7 +16873,7 @@
                                     </p:set>
                                     <p:animEffect transition="in" filter="fade">
                                       <p:cBhvr>
-                                        <p:cTn id="20" dur="1000"/>
+                                        <p:cTn id="23" dur="1000"/>
                                         <p:tgtEl>
                                           <p:spTgt spid="9"/>
                                         </p:tgtEl>
@@ -16860,7 +16881,7 @@
                                     </p:animEffect>
                                     <p:anim calcmode="lin" valueType="num">
                                       <p:cBhvr>
-                                        <p:cTn id="21" dur="1000" fill="hold"/>
+                                        <p:cTn id="24" dur="1000" fill="hold"/>
                                         <p:tgtEl>
                                           <p:spTgt spid="9"/>
                                         </p:tgtEl>
@@ -16883,7 +16904,7 @@
                                     </p:anim>
                                     <p:anim calcmode="lin" valueType="num">
                                       <p:cBhvr>
-                                        <p:cTn id="22" dur="1000" fill="hold"/>
+                                        <p:cTn id="25" dur="1000" fill="hold"/>
                                         <p:tgtEl>
                                           <p:spTgt spid="9"/>
                                         </p:tgtEl>
@@ -19913,7 +19934,7 @@
                   <a:srgbClr val="FF0000"/>
                 </a:solidFill>
               </a:rPr>
-              <a:t>文本域</a:t>
+              <a:t>文件控件</a:t>
             </a:r>
             <a:endParaRPr lang="zh-CN" altLang="en-US">
               <a:solidFill>
